--- a/en/asset/mai2-arch.pptx
+++ b/en/asset/mai2-arch.pptx
@@ -197,7 +197,7 @@
           <a:p>
             <a:fld id="{B026110B-5B1F-4063-BCA6-030140F75AD4}" type="datetimeFigureOut">
               <a:rPr lang="zh-CN" altLang="en-US" smtClean="0"/>
-              <a:t>2020/4/29</a:t>
+              <a:t>2020/6/12</a:t>
             </a:fld>
             <a:endParaRPr lang="zh-CN" altLang="en-US"/>
           </a:p>
@@ -695,7 +695,7 @@
           <a:p>
             <a:fld id="{F5070D61-C366-4358-8D3B-3705082AF76F}" type="datetimeFigureOut">
               <a:rPr lang="zh-CN" altLang="en-US" smtClean="0"/>
-              <a:t>2020/4/29</a:t>
+              <a:t>2020/6/12</a:t>
             </a:fld>
             <a:endParaRPr lang="zh-CN" altLang="en-US"/>
           </a:p>
@@ -893,7 +893,7 @@
           <a:p>
             <a:fld id="{F5070D61-C366-4358-8D3B-3705082AF76F}" type="datetimeFigureOut">
               <a:rPr lang="zh-CN" altLang="en-US" smtClean="0"/>
-              <a:t>2020/4/29</a:t>
+              <a:t>2020/6/12</a:t>
             </a:fld>
             <a:endParaRPr lang="zh-CN" altLang="en-US"/>
           </a:p>
@@ -1101,7 +1101,7 @@
           <a:p>
             <a:fld id="{F5070D61-C366-4358-8D3B-3705082AF76F}" type="datetimeFigureOut">
               <a:rPr lang="zh-CN" altLang="en-US" smtClean="0"/>
-              <a:t>2020/4/29</a:t>
+              <a:t>2020/6/12</a:t>
             </a:fld>
             <a:endParaRPr lang="zh-CN" altLang="en-US"/>
           </a:p>
@@ -1299,7 +1299,7 @@
           <a:p>
             <a:fld id="{F5070D61-C366-4358-8D3B-3705082AF76F}" type="datetimeFigureOut">
               <a:rPr lang="zh-CN" altLang="en-US" smtClean="0"/>
-              <a:t>2020/4/29</a:t>
+              <a:t>2020/6/12</a:t>
             </a:fld>
             <a:endParaRPr lang="zh-CN" altLang="en-US"/>
           </a:p>
@@ -1574,7 +1574,7 @@
           <a:p>
             <a:fld id="{F5070D61-C366-4358-8D3B-3705082AF76F}" type="datetimeFigureOut">
               <a:rPr lang="zh-CN" altLang="en-US" smtClean="0"/>
-              <a:t>2020/4/29</a:t>
+              <a:t>2020/6/12</a:t>
             </a:fld>
             <a:endParaRPr lang="zh-CN" altLang="en-US"/>
           </a:p>
@@ -1839,7 +1839,7 @@
           <a:p>
             <a:fld id="{F5070D61-C366-4358-8D3B-3705082AF76F}" type="datetimeFigureOut">
               <a:rPr lang="zh-CN" altLang="en-US" smtClean="0"/>
-              <a:t>2020/4/29</a:t>
+              <a:t>2020/6/12</a:t>
             </a:fld>
             <a:endParaRPr lang="zh-CN" altLang="en-US"/>
           </a:p>
@@ -2251,7 +2251,7 @@
           <a:p>
             <a:fld id="{F5070D61-C366-4358-8D3B-3705082AF76F}" type="datetimeFigureOut">
               <a:rPr lang="zh-CN" altLang="en-US" smtClean="0"/>
-              <a:t>2020/4/29</a:t>
+              <a:t>2020/6/12</a:t>
             </a:fld>
             <a:endParaRPr lang="zh-CN" altLang="en-US"/>
           </a:p>
@@ -2392,7 +2392,7 @@
           <a:p>
             <a:fld id="{F5070D61-C366-4358-8D3B-3705082AF76F}" type="datetimeFigureOut">
               <a:rPr lang="zh-CN" altLang="en-US" smtClean="0"/>
-              <a:t>2020/4/29</a:t>
+              <a:t>2020/6/12</a:t>
             </a:fld>
             <a:endParaRPr lang="zh-CN" altLang="en-US"/>
           </a:p>
@@ -2505,7 +2505,7 @@
           <a:p>
             <a:fld id="{F5070D61-C366-4358-8D3B-3705082AF76F}" type="datetimeFigureOut">
               <a:rPr lang="zh-CN" altLang="en-US" smtClean="0"/>
-              <a:t>2020/4/29</a:t>
+              <a:t>2020/6/12</a:t>
             </a:fld>
             <a:endParaRPr lang="zh-CN" altLang="en-US"/>
           </a:p>
@@ -2816,7 +2816,7 @@
           <a:p>
             <a:fld id="{F5070D61-C366-4358-8D3B-3705082AF76F}" type="datetimeFigureOut">
               <a:rPr lang="zh-CN" altLang="en-US" smtClean="0"/>
-              <a:t>2020/4/29</a:t>
+              <a:t>2020/6/12</a:t>
             </a:fld>
             <a:endParaRPr lang="zh-CN" altLang="en-US"/>
           </a:p>
@@ -3104,7 +3104,7 @@
           <a:p>
             <a:fld id="{F5070D61-C366-4358-8D3B-3705082AF76F}" type="datetimeFigureOut">
               <a:rPr lang="zh-CN" altLang="en-US" smtClean="0"/>
-              <a:t>2020/4/29</a:t>
+              <a:t>2020/6/12</a:t>
             </a:fld>
             <a:endParaRPr lang="zh-CN" altLang="en-US"/>
           </a:p>
@@ -3345,7 +3345,7 @@
           <a:p>
             <a:fld id="{F5070D61-C366-4358-8D3B-3705082AF76F}" type="datetimeFigureOut">
               <a:rPr lang="zh-CN" altLang="en-US" smtClean="0"/>
-              <a:t>2020/4/29</a:t>
+              <a:t>2020/6/12</a:t>
             </a:fld>
             <a:endParaRPr lang="zh-CN" altLang="en-US"/>
           </a:p>
@@ -3875,7 +3875,7 @@
         </p:nvSpPr>
         <p:spPr>
           <a:xfrm>
-            <a:off x="307810" y="3937597"/>
+            <a:off x="998642" y="2359156"/>
             <a:ext cx="1556836" cy="646331"/>
           </a:xfrm>
           <a:prstGeom prst="rect">
@@ -4004,51 +4004,6 @@
           </a:p>
         </p:txBody>
       </p:sp>
-      <p:cxnSp>
-        <p:nvCxnSpPr>
-          <p:cNvPr id="36" name="连接符: 肘形 35">
-            <a:extLst>
-              <a:ext uri="{FF2B5EF4-FFF2-40B4-BE49-F238E27FC236}">
-                <a16:creationId xmlns:a16="http://schemas.microsoft.com/office/drawing/2014/main" id="{AD784253-2D17-429C-AF32-B5F69BE90057}"/>
-              </a:ext>
-            </a:extLst>
-          </p:cNvPr>
-          <p:cNvCxnSpPr>
-            <a:cxnSpLocks/>
-            <a:stCxn id="68" idx="0"/>
-            <a:endCxn id="64" idx="2"/>
-          </p:cNvCxnSpPr>
-          <p:nvPr/>
-        </p:nvCxnSpPr>
-        <p:spPr>
-          <a:xfrm rot="16200000" flipV="1">
-            <a:off x="1328183" y="4236817"/>
-            <a:ext cx="1030952" cy="1"/>
-          </a:xfrm>
-          <a:prstGeom prst="bentConnector3">
-            <a:avLst>
-              <a:gd name="adj1" fmla="val 50000"/>
-            </a:avLst>
-          </a:prstGeom>
-          <a:ln>
-            <a:tailEnd type="triangle"/>
-          </a:ln>
-        </p:spPr>
-        <p:style>
-          <a:lnRef idx="1">
-            <a:schemeClr val="dk1"/>
-          </a:lnRef>
-          <a:fillRef idx="0">
-            <a:schemeClr val="dk1"/>
-          </a:fillRef>
-          <a:effectRef idx="0">
-            <a:schemeClr val="dk1"/>
-          </a:effectRef>
-          <a:fontRef idx="minor">
-            <a:schemeClr val="tx1"/>
-          </a:fontRef>
-        </p:style>
-      </p:cxnSp>
       <p:cxnSp>
         <p:nvCxnSpPr>
           <p:cNvPr id="39" name="连接符: 肘形 38">
@@ -4109,7 +4064,7 @@
         <p:spPr>
           <a:xfrm>
             <a:off x="4423506" y="2972120"/>
-            <a:ext cx="1758220" cy="913756"/>
+            <a:ext cx="1715419" cy="913756"/>
           </a:xfrm>
           <a:prstGeom prst="rect">
             <a:avLst/>
@@ -4180,7 +4135,7 @@
                 <a:latin typeface="Arial" panose="020B0604020202020204" pitchFamily="34" charset="0"/>
                 <a:cs typeface="Arial" panose="020B0604020202020204" pitchFamily="34" charset="0"/>
               </a:rPr>
-              <a:t>Verify orders</a:t>
+              <a:t>Verify Match</a:t>
             </a:r>
           </a:p>
         </p:txBody>
@@ -4267,7 +4222,7 @@
         </p:nvSpPr>
         <p:spPr>
           <a:xfrm>
-            <a:off x="1090821" y="4752294"/>
+            <a:off x="1109942" y="1394548"/>
             <a:ext cx="1505675" cy="833438"/>
           </a:xfrm>
           <a:prstGeom prst="ellipse">
@@ -4309,7 +4264,7 @@
                 <a:latin typeface="Arial" panose="020B0604020202020204" pitchFamily="34" charset="0"/>
                 <a:cs typeface="Arial" panose="020B0604020202020204" pitchFamily="34" charset="0"/>
               </a:rPr>
-              <a:t>Trader 1</a:t>
+              <a:t>Trader </a:t>
             </a:r>
             <a:endParaRPr lang="zh-CN" altLang="en-US" dirty="0">
               <a:solidFill>
@@ -4335,7 +4290,7 @@
         </p:nvSpPr>
         <p:spPr>
           <a:xfrm>
-            <a:off x="7414777" y="4752294"/>
+            <a:off x="6803742" y="4735640"/>
             <a:ext cx="1505675" cy="833438"/>
           </a:xfrm>
           <a:prstGeom prst="ellipse">
@@ -4377,7 +4332,7 @@
                 <a:latin typeface="Arial" panose="020B0604020202020204" pitchFamily="34" charset="0"/>
                 <a:cs typeface="Arial" panose="020B0604020202020204" pitchFamily="34" charset="0"/>
               </a:rPr>
-              <a:t>Trader 2</a:t>
+              <a:t>Trader </a:t>
             </a:r>
           </a:p>
         </p:txBody>
@@ -4396,7 +4351,7 @@
         </p:nvSpPr>
         <p:spPr>
           <a:xfrm>
-            <a:off x="9338827" y="4752294"/>
+            <a:off x="9595504" y="4723434"/>
             <a:ext cx="1505675" cy="833438"/>
           </a:xfrm>
           <a:prstGeom prst="ellipse">
@@ -4438,7 +4393,7 @@
                 <a:latin typeface="Arial" panose="020B0604020202020204" pitchFamily="34" charset="0"/>
                 <a:cs typeface="Arial" panose="020B0604020202020204" pitchFamily="34" charset="0"/>
               </a:rPr>
-              <a:t>Another Contract</a:t>
+              <a:t>Other Contract</a:t>
             </a:r>
           </a:p>
         </p:txBody>
@@ -4547,7 +4502,25 @@
                 <a:latin typeface="Arial" panose="020B0604020202020204" pitchFamily="34" charset="0"/>
                 <a:cs typeface="Arial" panose="020B0604020202020204" pitchFamily="34" charset="0"/>
               </a:rPr>
-              <a:t>PNL</a:t>
+              <a:t>Trade</a:t>
+            </a:r>
+          </a:p>
+          <a:p>
+            <a:pPr marL="285750" indent="-285750">
+              <a:buFont typeface="Arial" panose="020B0604020202020204" pitchFamily="34" charset="0"/>
+              <a:buChar char="•"/>
+            </a:pPr>
+            <a:r>
+              <a:rPr lang="en-US" altLang="zh-CN" sz="1600" dirty="0">
+                <a:solidFill>
+                  <a:schemeClr val="bg2">
+                    <a:lumMod val="25000"/>
+                  </a:schemeClr>
+                </a:solidFill>
+                <a:latin typeface="Arial" panose="020B0604020202020204" pitchFamily="34" charset="0"/>
+                <a:cs typeface="Arial" panose="020B0604020202020204" pitchFamily="34" charset="0"/>
+              </a:rPr>
+              <a:t>Liquidation</a:t>
             </a:r>
             <a:endParaRPr lang="zh-CN" altLang="en-US" sz="1600" dirty="0">
               <a:solidFill>
@@ -4647,7 +4620,7 @@
                 <a:latin typeface="Arial" panose="020B0604020202020204" pitchFamily="34" charset="0"/>
                 <a:cs typeface="Arial" panose="020B0604020202020204" pitchFamily="34" charset="0"/>
               </a:rPr>
-              <a:t>Algorithmic agents</a:t>
+              <a:t>Buy/Sell</a:t>
             </a:r>
           </a:p>
           <a:p>
@@ -4665,7 +4638,7 @@
                 <a:latin typeface="Arial" panose="020B0604020202020204" pitchFamily="34" charset="0"/>
                 <a:cs typeface="Arial" panose="020B0604020202020204" pitchFamily="34" charset="0"/>
               </a:rPr>
-              <a:t>Logical order book</a:t>
+              <a:t>Add/remove Liquidity</a:t>
             </a:r>
           </a:p>
           <a:p>
@@ -4706,8 +4679,8 @@
         </p:nvCxnSpPr>
         <p:spPr>
           <a:xfrm rot="5400000" flipH="1" flipV="1">
-            <a:off x="5104244" y="2087044"/>
-            <a:ext cx="1083448" cy="686704"/>
+            <a:off x="5093544" y="2076344"/>
+            <a:ext cx="1083448" cy="708104"/>
           </a:xfrm>
           <a:prstGeom prst="bentConnector2">
             <a:avLst/>
@@ -4792,8 +4765,8 @@
         </p:nvCxnSpPr>
         <p:spPr>
           <a:xfrm rot="5400000" flipH="1" flipV="1">
-            <a:off x="8415250" y="4105291"/>
-            <a:ext cx="399369" cy="894638"/>
+            <a:off x="8118059" y="3791447"/>
+            <a:ext cx="382715" cy="1505673"/>
           </a:xfrm>
           <a:prstGeom prst="bentConnector3">
             <a:avLst>
@@ -4837,8 +4810,8 @@
         </p:nvCxnSpPr>
         <p:spPr>
           <a:xfrm rot="16200000" flipV="1">
-            <a:off x="9377275" y="4037904"/>
-            <a:ext cx="399369" cy="1029412"/>
+            <a:off x="9520044" y="3895135"/>
+            <a:ext cx="370509" cy="1286089"/>
           </a:xfrm>
           <a:prstGeom prst="bentConnector3">
             <a:avLst>
@@ -4864,6 +4837,576 @@
           </a:fontRef>
         </p:style>
       </p:cxnSp>
+      <p:sp>
+        <p:nvSpPr>
+          <p:cNvPr id="22" name="文本框 21">
+            <a:extLst>
+              <a:ext uri="{FF2B5EF4-FFF2-40B4-BE49-F238E27FC236}">
+                <a16:creationId xmlns:a16="http://schemas.microsoft.com/office/drawing/2014/main" id="{2200BC69-71DC-4B8D-856B-6929647C24A9}"/>
+              </a:ext>
+            </a:extLst>
+          </p:cNvPr>
+          <p:cNvSpPr txBox="1"/>
+          <p:nvPr/>
+        </p:nvSpPr>
+        <p:spPr>
+          <a:xfrm>
+            <a:off x="4569437" y="2418831"/>
+            <a:ext cx="778803" cy="369332"/>
+          </a:xfrm>
+          <a:prstGeom prst="rect">
+            <a:avLst/>
+          </a:prstGeom>
+          <a:noFill/>
+        </p:spPr>
+        <p:txBody>
+          <a:bodyPr wrap="none" rtlCol="0">
+            <a:spAutoFit/>
+          </a:bodyPr>
+          <a:lstStyle/>
+          <a:p>
+            <a:r>
+              <a:rPr lang="en-US" altLang="zh-CN" dirty="0">
+                <a:latin typeface="Arial" panose="020B0604020202020204" pitchFamily="34" charset="0"/>
+                <a:cs typeface="Arial" panose="020B0604020202020204" pitchFamily="34" charset="0"/>
+              </a:rPr>
+              <a:t>Trade</a:t>
+            </a:r>
+          </a:p>
+        </p:txBody>
+      </p:sp>
+      <p:sp>
+        <p:nvSpPr>
+          <p:cNvPr id="23" name="文本框 22">
+            <a:extLst>
+              <a:ext uri="{FF2B5EF4-FFF2-40B4-BE49-F238E27FC236}">
+                <a16:creationId xmlns:a16="http://schemas.microsoft.com/office/drawing/2014/main" id="{C9CFAF87-FEFF-4AAB-BA00-0149061D2F7E}"/>
+              </a:ext>
+            </a:extLst>
+          </p:cNvPr>
+          <p:cNvSpPr txBox="1"/>
+          <p:nvPr/>
+        </p:nvSpPr>
+        <p:spPr>
+          <a:xfrm>
+            <a:off x="8196189" y="2197658"/>
+            <a:ext cx="778803" cy="369332"/>
+          </a:xfrm>
+          <a:prstGeom prst="rect">
+            <a:avLst/>
+          </a:prstGeom>
+          <a:noFill/>
+        </p:spPr>
+        <p:txBody>
+          <a:bodyPr wrap="none" rtlCol="0">
+            <a:spAutoFit/>
+          </a:bodyPr>
+          <a:lstStyle/>
+          <a:p>
+            <a:r>
+              <a:rPr lang="en-US" altLang="zh-CN" dirty="0">
+                <a:latin typeface="Arial" panose="020B0604020202020204" pitchFamily="34" charset="0"/>
+                <a:cs typeface="Arial" panose="020B0604020202020204" pitchFamily="34" charset="0"/>
+              </a:rPr>
+              <a:t>Trade</a:t>
+            </a:r>
+          </a:p>
+        </p:txBody>
+      </p:sp>
+      <p:sp>
+        <p:nvSpPr>
+          <p:cNvPr id="31" name="文本框 30">
+            <a:extLst>
+              <a:ext uri="{FF2B5EF4-FFF2-40B4-BE49-F238E27FC236}">
+                <a16:creationId xmlns:a16="http://schemas.microsoft.com/office/drawing/2014/main" id="{2A43A430-8C36-4725-B8D3-00C400123B27}"/>
+              </a:ext>
+            </a:extLst>
+          </p:cNvPr>
+          <p:cNvSpPr txBox="1"/>
+          <p:nvPr/>
+        </p:nvSpPr>
+        <p:spPr>
+          <a:xfrm>
+            <a:off x="7746579" y="4513049"/>
+            <a:ext cx="2428935" cy="369332"/>
+          </a:xfrm>
+          <a:prstGeom prst="rect">
+            <a:avLst/>
+          </a:prstGeom>
+          <a:noFill/>
+        </p:spPr>
+        <p:txBody>
+          <a:bodyPr wrap="none" rtlCol="0">
+            <a:spAutoFit/>
+          </a:bodyPr>
+          <a:lstStyle/>
+          <a:p>
+            <a:r>
+              <a:rPr lang="en-US" altLang="zh-CN" dirty="0">
+                <a:latin typeface="Arial" panose="020B0604020202020204" pitchFamily="34" charset="0"/>
+                <a:cs typeface="Arial" panose="020B0604020202020204" pitchFamily="34" charset="0"/>
+              </a:rPr>
+              <a:t>Buy/Sell against AMM</a:t>
+            </a:r>
+          </a:p>
+        </p:txBody>
+      </p:sp>
+      <p:sp>
+        <p:nvSpPr>
+          <p:cNvPr id="32" name="椭圆 31">
+            <a:extLst>
+              <a:ext uri="{FF2B5EF4-FFF2-40B4-BE49-F238E27FC236}">
+                <a16:creationId xmlns:a16="http://schemas.microsoft.com/office/drawing/2014/main" id="{6054B8FD-3884-40E0-9B7E-A0E74DC5A417}"/>
+              </a:ext>
+            </a:extLst>
+          </p:cNvPr>
+          <p:cNvSpPr/>
+          <p:nvPr/>
+        </p:nvSpPr>
+        <p:spPr>
+          <a:xfrm>
+            <a:off x="9486069" y="1157537"/>
+            <a:ext cx="1505675" cy="833438"/>
+          </a:xfrm>
+          <a:prstGeom prst="ellipse">
+            <a:avLst/>
+          </a:prstGeom>
+          <a:noFill/>
+          <a:ln>
+            <a:solidFill>
+              <a:schemeClr val="tx1"/>
+            </a:solidFill>
+          </a:ln>
+        </p:spPr>
+        <p:style>
+          <a:lnRef idx="2">
+            <a:schemeClr val="accent1">
+              <a:shade val="50000"/>
+            </a:schemeClr>
+          </a:lnRef>
+          <a:fillRef idx="1">
+            <a:schemeClr val="accent1"/>
+          </a:fillRef>
+          <a:effectRef idx="0">
+            <a:schemeClr val="accent1"/>
+          </a:effectRef>
+          <a:fontRef idx="minor">
+            <a:schemeClr val="lt1"/>
+          </a:fontRef>
+        </p:style>
+        <p:txBody>
+          <a:bodyPr rtlCol="0" anchor="ctr"/>
+          <a:lstStyle/>
+          <a:p>
+            <a:pPr algn="ctr"/>
+            <a:r>
+              <a:rPr lang="en-US" altLang="zh-CN" dirty="0">
+                <a:solidFill>
+                  <a:schemeClr val="tx1"/>
+                </a:solidFill>
+                <a:latin typeface="Arial" panose="020B0604020202020204" pitchFamily="34" charset="0"/>
+                <a:cs typeface="Arial" panose="020B0604020202020204" pitchFamily="34" charset="0"/>
+              </a:rPr>
+              <a:t>Keeper</a:t>
+            </a:r>
+            <a:endParaRPr lang="zh-CN" altLang="en-US" dirty="0">
+              <a:solidFill>
+                <a:schemeClr val="tx1"/>
+              </a:solidFill>
+              <a:latin typeface="Arial" panose="020B0604020202020204" pitchFamily="34" charset="0"/>
+              <a:cs typeface="Arial" panose="020B0604020202020204" pitchFamily="34" charset="0"/>
+            </a:endParaRPr>
+          </a:p>
+        </p:txBody>
+      </p:sp>
+      <p:cxnSp>
+        <p:nvCxnSpPr>
+          <p:cNvPr id="17" name="直接箭头连接符 16">
+            <a:extLst>
+              <a:ext uri="{FF2B5EF4-FFF2-40B4-BE49-F238E27FC236}">
+                <a16:creationId xmlns:a16="http://schemas.microsoft.com/office/drawing/2014/main" id="{2F65785E-AA65-4F58-8C78-9B8031964017}"/>
+              </a:ext>
+            </a:extLst>
+          </p:cNvPr>
+          <p:cNvCxnSpPr>
+            <a:stCxn id="32" idx="2"/>
+          </p:cNvCxnSpPr>
+          <p:nvPr/>
+        </p:nvCxnSpPr>
+        <p:spPr>
+          <a:xfrm flipH="1">
+            <a:off x="8196189" y="1574256"/>
+            <a:ext cx="1289880" cy="0"/>
+          </a:xfrm>
+          <a:prstGeom prst="straightConnector1">
+            <a:avLst/>
+          </a:prstGeom>
+          <a:ln>
+            <a:tailEnd type="triangle"/>
+          </a:ln>
+        </p:spPr>
+        <p:style>
+          <a:lnRef idx="1">
+            <a:schemeClr val="dk1"/>
+          </a:lnRef>
+          <a:fillRef idx="0">
+            <a:schemeClr val="dk1"/>
+          </a:fillRef>
+          <a:effectRef idx="0">
+            <a:schemeClr val="dk1"/>
+          </a:effectRef>
+          <a:fontRef idx="minor">
+            <a:schemeClr val="tx1"/>
+          </a:fontRef>
+        </p:style>
+      </p:cxnSp>
+      <p:sp>
+        <p:nvSpPr>
+          <p:cNvPr id="40" name="文本框 39">
+            <a:extLst>
+              <a:ext uri="{FF2B5EF4-FFF2-40B4-BE49-F238E27FC236}">
+                <a16:creationId xmlns:a16="http://schemas.microsoft.com/office/drawing/2014/main" id="{52137FF4-4AA5-44BE-AD3C-F4797C490777}"/>
+              </a:ext>
+            </a:extLst>
+          </p:cNvPr>
+          <p:cNvSpPr txBox="1"/>
+          <p:nvPr/>
+        </p:nvSpPr>
+        <p:spPr>
+          <a:xfrm>
+            <a:off x="8254115" y="1200611"/>
+            <a:ext cx="1300356" cy="369332"/>
+          </a:xfrm>
+          <a:prstGeom prst="rect">
+            <a:avLst/>
+          </a:prstGeom>
+          <a:noFill/>
+        </p:spPr>
+        <p:txBody>
+          <a:bodyPr wrap="none" rtlCol="0">
+            <a:spAutoFit/>
+          </a:bodyPr>
+          <a:lstStyle/>
+          <a:p>
+            <a:r>
+              <a:rPr lang="en-US" altLang="zh-CN" dirty="0">
+                <a:latin typeface="Arial" panose="020B0604020202020204" pitchFamily="34" charset="0"/>
+                <a:cs typeface="Arial" panose="020B0604020202020204" pitchFamily="34" charset="0"/>
+              </a:rPr>
+              <a:t>Liquidation</a:t>
+            </a:r>
+          </a:p>
+        </p:txBody>
+      </p:sp>
+      <p:sp>
+        <p:nvSpPr>
+          <p:cNvPr id="41" name="椭圆 40">
+            <a:extLst>
+              <a:ext uri="{FF2B5EF4-FFF2-40B4-BE49-F238E27FC236}">
+                <a16:creationId xmlns:a16="http://schemas.microsoft.com/office/drawing/2014/main" id="{16D72546-F2EE-436E-A3B2-4BA65CC62A68}"/>
+              </a:ext>
+            </a:extLst>
+          </p:cNvPr>
+          <p:cNvSpPr/>
+          <p:nvPr/>
+        </p:nvSpPr>
+        <p:spPr>
+          <a:xfrm>
+            <a:off x="4595402" y="4735640"/>
+            <a:ext cx="1505675" cy="833438"/>
+          </a:xfrm>
+          <a:prstGeom prst="ellipse">
+            <a:avLst/>
+          </a:prstGeom>
+          <a:noFill/>
+          <a:ln>
+            <a:solidFill>
+              <a:schemeClr val="tx1"/>
+            </a:solidFill>
+          </a:ln>
+        </p:spPr>
+        <p:style>
+          <a:lnRef idx="2">
+            <a:schemeClr val="accent1">
+              <a:shade val="50000"/>
+            </a:schemeClr>
+          </a:lnRef>
+          <a:fillRef idx="1">
+            <a:schemeClr val="accent1"/>
+          </a:fillRef>
+          <a:effectRef idx="0">
+            <a:schemeClr val="accent1"/>
+          </a:effectRef>
+          <a:fontRef idx="minor">
+            <a:schemeClr val="lt1"/>
+          </a:fontRef>
+        </p:style>
+        <p:txBody>
+          <a:bodyPr rtlCol="0" anchor="ctr"/>
+          <a:lstStyle/>
+          <a:p>
+            <a:pPr algn="ctr"/>
+            <a:r>
+              <a:rPr lang="en-US" altLang="zh-CN" dirty="0">
+                <a:solidFill>
+                  <a:schemeClr val="tx1"/>
+                </a:solidFill>
+                <a:latin typeface="Arial" panose="020B0604020202020204" pitchFamily="34" charset="0"/>
+                <a:cs typeface="Arial" panose="020B0604020202020204" pitchFamily="34" charset="0"/>
+              </a:rPr>
+              <a:t>Oracle</a:t>
+            </a:r>
+            <a:endParaRPr lang="zh-CN" altLang="en-US" dirty="0">
+              <a:solidFill>
+                <a:schemeClr val="tx1"/>
+              </a:solidFill>
+              <a:latin typeface="Arial" panose="020B0604020202020204" pitchFamily="34" charset="0"/>
+              <a:cs typeface="Arial" panose="020B0604020202020204" pitchFamily="34" charset="0"/>
+            </a:endParaRPr>
+          </a:p>
+        </p:txBody>
+      </p:sp>
+      <p:cxnSp>
+        <p:nvCxnSpPr>
+          <p:cNvPr id="42" name="连接符: 肘形 41">
+            <a:extLst>
+              <a:ext uri="{FF2B5EF4-FFF2-40B4-BE49-F238E27FC236}">
+                <a16:creationId xmlns:a16="http://schemas.microsoft.com/office/drawing/2014/main" id="{47AD3CBC-B413-4D4E-A0F3-3532B65AEEFD}"/>
+              </a:ext>
+            </a:extLst>
+          </p:cNvPr>
+          <p:cNvCxnSpPr>
+            <a:cxnSpLocks/>
+            <a:stCxn id="41" idx="6"/>
+          </p:cNvCxnSpPr>
+          <p:nvPr/>
+        </p:nvCxnSpPr>
+        <p:spPr>
+          <a:xfrm flipV="1">
+            <a:off x="6101077" y="4069833"/>
+            <a:ext cx="1633449" cy="1082526"/>
+          </a:xfrm>
+          <a:prstGeom prst="bentConnector3">
+            <a:avLst>
+              <a:gd name="adj1" fmla="val 25886"/>
+            </a:avLst>
+          </a:prstGeom>
+          <a:ln>
+            <a:tailEnd type="triangle"/>
+          </a:ln>
+        </p:spPr>
+        <p:style>
+          <a:lnRef idx="1">
+            <a:schemeClr val="dk1"/>
+          </a:lnRef>
+          <a:fillRef idx="0">
+            <a:schemeClr val="dk1"/>
+          </a:fillRef>
+          <a:effectRef idx="0">
+            <a:schemeClr val="dk1"/>
+          </a:effectRef>
+          <a:fontRef idx="minor">
+            <a:schemeClr val="tx1"/>
+          </a:fontRef>
+        </p:style>
+      </p:cxnSp>
+      <p:sp>
+        <p:nvSpPr>
+          <p:cNvPr id="47" name="文本框 46">
+            <a:extLst>
+              <a:ext uri="{FF2B5EF4-FFF2-40B4-BE49-F238E27FC236}">
+                <a16:creationId xmlns:a16="http://schemas.microsoft.com/office/drawing/2014/main" id="{34C41CD9-5CC5-4699-86C9-8CE50066D736}"/>
+              </a:ext>
+            </a:extLst>
+          </p:cNvPr>
+          <p:cNvSpPr txBox="1"/>
+          <p:nvPr/>
+        </p:nvSpPr>
+        <p:spPr>
+          <a:xfrm>
+            <a:off x="5832265" y="4279088"/>
+            <a:ext cx="748923" cy="369332"/>
+          </a:xfrm>
+          <a:prstGeom prst="rect">
+            <a:avLst/>
+          </a:prstGeom>
+          <a:noFill/>
+        </p:spPr>
+        <p:txBody>
+          <a:bodyPr wrap="none" rtlCol="0">
+            <a:spAutoFit/>
+          </a:bodyPr>
+          <a:lstStyle/>
+          <a:p>
+            <a:r>
+              <a:rPr lang="en-US" altLang="zh-CN" dirty="0">
+                <a:latin typeface="Arial" panose="020B0604020202020204" pitchFamily="34" charset="0"/>
+                <a:cs typeface="Arial" panose="020B0604020202020204" pitchFamily="34" charset="0"/>
+              </a:rPr>
+              <a:t>Index</a:t>
+            </a:r>
+          </a:p>
+        </p:txBody>
+      </p:sp>
+      <p:sp>
+        <p:nvSpPr>
+          <p:cNvPr id="48" name="文本框 47">
+            <a:extLst>
+              <a:ext uri="{FF2B5EF4-FFF2-40B4-BE49-F238E27FC236}">
+                <a16:creationId xmlns:a16="http://schemas.microsoft.com/office/drawing/2014/main" id="{83260B67-8CD5-4F0A-A3B9-A369B923AED0}"/>
+              </a:ext>
+            </a:extLst>
+          </p:cNvPr>
+          <p:cNvSpPr txBox="1"/>
+          <p:nvPr/>
+        </p:nvSpPr>
+        <p:spPr>
+          <a:xfrm>
+            <a:off x="7302596" y="2559006"/>
+            <a:ext cx="3689148" cy="369332"/>
+          </a:xfrm>
+          <a:prstGeom prst="rect">
+            <a:avLst/>
+          </a:prstGeom>
+          <a:noFill/>
+        </p:spPr>
+        <p:txBody>
+          <a:bodyPr wrap="square" rtlCol="0">
+            <a:spAutoFit/>
+          </a:bodyPr>
+          <a:lstStyle/>
+          <a:p>
+            <a:r>
+              <a:rPr lang="en-US" altLang="zh-CN" dirty="0">
+                <a:latin typeface="Arial" panose="020B0604020202020204" pitchFamily="34" charset="0"/>
+                <a:cs typeface="Arial" panose="020B0604020202020204" pitchFamily="34" charset="0"/>
+              </a:rPr>
+              <a:t>Update Mark Price/ Funding Rate</a:t>
+            </a:r>
+          </a:p>
+        </p:txBody>
+      </p:sp>
+      <p:cxnSp>
+        <p:nvCxnSpPr>
+          <p:cNvPr id="34" name="直接箭头连接符 33">
+            <a:extLst>
+              <a:ext uri="{FF2B5EF4-FFF2-40B4-BE49-F238E27FC236}">
+                <a16:creationId xmlns:a16="http://schemas.microsoft.com/office/drawing/2014/main" id="{01544447-9F13-4777-BF69-85546E529AA7}"/>
+              </a:ext>
+            </a:extLst>
+          </p:cNvPr>
+          <p:cNvCxnSpPr>
+            <a:stCxn id="68" idx="4"/>
+            <a:endCxn id="64" idx="0"/>
+          </p:cNvCxnSpPr>
+          <p:nvPr/>
+        </p:nvCxnSpPr>
+        <p:spPr>
+          <a:xfrm flipH="1">
+            <a:off x="1843658" y="2227986"/>
+            <a:ext cx="19122" cy="908671"/>
+          </a:xfrm>
+          <a:prstGeom prst="straightConnector1">
+            <a:avLst/>
+          </a:prstGeom>
+          <a:ln>
+            <a:tailEnd type="triangle"/>
+          </a:ln>
+        </p:spPr>
+        <p:style>
+          <a:lnRef idx="1">
+            <a:schemeClr val="dk1"/>
+          </a:lnRef>
+          <a:fillRef idx="0">
+            <a:schemeClr val="dk1"/>
+          </a:fillRef>
+          <a:effectRef idx="0">
+            <a:schemeClr val="dk1"/>
+          </a:effectRef>
+          <a:fontRef idx="minor">
+            <a:schemeClr val="tx1"/>
+          </a:fontRef>
+        </p:style>
+      </p:cxnSp>
+      <p:cxnSp>
+        <p:nvCxnSpPr>
+          <p:cNvPr id="43" name="直接箭头连接符 42">
+            <a:extLst>
+              <a:ext uri="{FF2B5EF4-FFF2-40B4-BE49-F238E27FC236}">
+                <a16:creationId xmlns:a16="http://schemas.microsoft.com/office/drawing/2014/main" id="{66726B90-88AC-4D52-B926-333405433C3D}"/>
+              </a:ext>
+            </a:extLst>
+          </p:cNvPr>
+          <p:cNvCxnSpPr>
+            <a:cxnSpLocks/>
+          </p:cNvCxnSpPr>
+          <p:nvPr/>
+        </p:nvCxnSpPr>
+        <p:spPr>
+          <a:xfrm>
+            <a:off x="2605448" y="1783131"/>
+            <a:ext cx="3373703" cy="0"/>
+          </a:xfrm>
+          <a:prstGeom prst="straightConnector1">
+            <a:avLst/>
+          </a:prstGeom>
+          <a:ln>
+            <a:tailEnd type="triangle"/>
+          </a:ln>
+        </p:spPr>
+        <p:style>
+          <a:lnRef idx="1">
+            <a:schemeClr val="dk1"/>
+          </a:lnRef>
+          <a:fillRef idx="0">
+            <a:schemeClr val="dk1"/>
+          </a:fillRef>
+          <a:effectRef idx="0">
+            <a:schemeClr val="dk1"/>
+          </a:effectRef>
+          <a:fontRef idx="minor">
+            <a:schemeClr val="tx1"/>
+          </a:fontRef>
+        </p:style>
+      </p:cxnSp>
+      <p:sp>
+        <p:nvSpPr>
+          <p:cNvPr id="59" name="文本框 58">
+            <a:extLst>
+              <a:ext uri="{FF2B5EF4-FFF2-40B4-BE49-F238E27FC236}">
+                <a16:creationId xmlns:a16="http://schemas.microsoft.com/office/drawing/2014/main" id="{C3E3F623-6C72-4C5E-8DDC-7DC8B2FB0860}"/>
+              </a:ext>
+            </a:extLst>
+          </p:cNvPr>
+          <p:cNvSpPr txBox="1"/>
+          <p:nvPr/>
+        </p:nvSpPr>
+        <p:spPr>
+          <a:xfrm>
+            <a:off x="2754212" y="1364969"/>
+            <a:ext cx="2762295" cy="369332"/>
+          </a:xfrm>
+          <a:prstGeom prst="rect">
+            <a:avLst/>
+          </a:prstGeom>
+          <a:noFill/>
+        </p:spPr>
+        <p:txBody>
+          <a:bodyPr wrap="none" rtlCol="0">
+            <a:spAutoFit/>
+          </a:bodyPr>
+          <a:lstStyle/>
+          <a:p>
+            <a:r>
+              <a:rPr lang="en-US" altLang="zh-CN" dirty="0">
+                <a:latin typeface="Arial" panose="020B0604020202020204" pitchFamily="34" charset="0"/>
+                <a:cs typeface="Arial" panose="020B0604020202020204" pitchFamily="34" charset="0"/>
+              </a:rPr>
+              <a:t>Deposit/Withdraw Margin</a:t>
+            </a:r>
+          </a:p>
+        </p:txBody>
+      </p:sp>
     </p:spTree>
     <p:extLst>
       <p:ext uri="{BB962C8B-B14F-4D97-AF65-F5344CB8AC3E}">

--- a/en/asset/mai2-arch.pptx
+++ b/en/asset/mai2-arch.pptx
@@ -3776,8 +3776,8 @@
         </p:nvSpPr>
         <p:spPr>
           <a:xfrm>
-            <a:off x="3706242" y="788205"/>
-            <a:ext cx="1172116" cy="369332"/>
+            <a:off x="4081272" y="1198652"/>
+            <a:ext cx="574749" cy="184666"/>
           </a:xfrm>
           <a:prstGeom prst="rect">
             <a:avLst/>
@@ -3785,13 +3785,13 @@
           <a:noFill/>
         </p:spPr>
         <p:txBody>
-          <a:bodyPr wrap="none" rtlCol="0">
+          <a:bodyPr wrap="square" rtlCol="0">
             <a:spAutoFit/>
           </a:bodyPr>
           <a:lstStyle/>
           <a:p>
             <a:r>
-              <a:rPr lang="en-US" altLang="zh-CN" dirty="0">
+              <a:rPr lang="en-US" altLang="zh-CN" sz="600" dirty="0">
                 <a:latin typeface="Arial" panose="020B0604020202020204" pitchFamily="34" charset="0"/>
                 <a:ea typeface="Source Sans Pro" panose="020B0503030403020204" pitchFamily="34" charset="0"/>
                 <a:cs typeface="Arial" panose="020B0604020202020204" pitchFamily="34" charset="0"/>
@@ -3799,14 +3799,14 @@
               <a:t>On-</a:t>
             </a:r>
             <a:r>
-              <a:rPr lang="en-US" altLang="zh-CN" dirty="0">
+              <a:rPr lang="en-US" altLang="zh-CN" sz="600" dirty="0">
                 <a:latin typeface="Arial" panose="020B0604020202020204" pitchFamily="34" charset="0"/>
                 <a:ea typeface="微软雅黑" panose="020B0503020204020204" pitchFamily="34" charset="-122"/>
                 <a:cs typeface="Arial" panose="020B0604020202020204" pitchFamily="34" charset="0"/>
               </a:rPr>
               <a:t>Chain</a:t>
             </a:r>
-            <a:endParaRPr lang="zh-CN" altLang="en-US" dirty="0">
+            <a:endParaRPr lang="zh-CN" altLang="en-US" sz="600" dirty="0">
               <a:latin typeface="Arial" panose="020B0604020202020204" pitchFamily="34" charset="0"/>
               <a:ea typeface="微软雅黑" panose="020B0503020204020204" pitchFamily="34" charset="-122"/>
               <a:cs typeface="Arial" panose="020B0604020202020204" pitchFamily="34" charset="0"/>
@@ -3830,14 +3830,14 @@
         </p:nvCxnSpPr>
         <p:spPr>
           <a:xfrm>
-            <a:off x="3519561" y="788205"/>
-            <a:ext cx="0" cy="5595010"/>
+            <a:off x="4081272" y="1200370"/>
+            <a:ext cx="0" cy="2285773"/>
           </a:xfrm>
           <a:prstGeom prst="line">
             <a:avLst/>
           </a:prstGeom>
           <a:noFill/>
-          <a:ln w="19050">
+          <a:ln w="6350">
             <a:solidFill>
               <a:schemeClr val="bg1">
                 <a:lumMod val="75000"/>
@@ -3875,8 +3875,8 @@
         </p:nvSpPr>
         <p:spPr>
           <a:xfrm>
-            <a:off x="998642" y="2359156"/>
-            <a:ext cx="1556836" cy="646331"/>
+            <a:off x="3324367" y="1908026"/>
+            <a:ext cx="661458" cy="276999"/>
           </a:xfrm>
           <a:prstGeom prst="rect">
             <a:avLst/>
@@ -3884,14 +3884,13 @@
           <a:noFill/>
         </p:spPr>
         <p:txBody>
-          <a:bodyPr wrap="none" rtlCol="0">
+          <a:bodyPr wrap="square" rtlCol="0">
             <a:spAutoFit/>
           </a:bodyPr>
           <a:lstStyle/>
           <a:p>
-            <a:pPr algn="r"/>
-            <a:r>
-              <a:rPr lang="en-US" altLang="zh-CN" dirty="0">
+            <a:r>
+              <a:rPr lang="en-US" altLang="zh-CN" sz="600" dirty="0">
                 <a:latin typeface="Arial" panose="020B0604020202020204" pitchFamily="34" charset="0"/>
                 <a:cs typeface="Arial" panose="020B0604020202020204" pitchFamily="34" charset="0"/>
               </a:rPr>
@@ -3899,15 +3898,14 @@
             </a:r>
           </a:p>
           <a:p>
-            <a:pPr algn="r"/>
-            <a:r>
-              <a:rPr lang="en-US" altLang="zh-CN" dirty="0">
+            <a:r>
+              <a:rPr lang="en-US" altLang="zh-CN" sz="600" dirty="0">
                 <a:latin typeface="Arial" panose="020B0604020202020204" pitchFamily="34" charset="0"/>
                 <a:cs typeface="Arial" panose="020B0604020202020204" pitchFamily="34" charset="0"/>
               </a:rPr>
               <a:t>Cancel Order</a:t>
             </a:r>
-            <a:endParaRPr lang="zh-CN" altLang="en-US" dirty="0">
+            <a:endParaRPr lang="zh-CN" altLang="en-US" sz="600" dirty="0">
               <a:latin typeface="Arial" panose="020B0604020202020204" pitchFamily="34" charset="0"/>
               <a:cs typeface="Arial" panose="020B0604020202020204" pitchFamily="34" charset="0"/>
             </a:endParaRPr>
@@ -3928,8 +3926,8 @@
         </p:nvSpPr>
         <p:spPr>
           <a:xfrm>
-            <a:off x="2770232" y="3059666"/>
-            <a:ext cx="1582484" cy="369332"/>
+            <a:off x="3762902" y="2274999"/>
+            <a:ext cx="672356" cy="184666"/>
           </a:xfrm>
           <a:prstGeom prst="rect">
             <a:avLst/>
@@ -3937,13 +3935,13 @@
           <a:noFill/>
         </p:spPr>
         <p:txBody>
-          <a:bodyPr wrap="none" rtlCol="0">
+          <a:bodyPr wrap="square" rtlCol="0">
             <a:spAutoFit/>
           </a:bodyPr>
           <a:lstStyle/>
           <a:p>
             <a:r>
-              <a:rPr lang="en-US" altLang="zh-CN" dirty="0">
+              <a:rPr lang="en-US" altLang="zh-CN" sz="600" dirty="0">
                 <a:latin typeface="Arial" panose="020B0604020202020204" pitchFamily="34" charset="0"/>
                 <a:cs typeface="Arial" panose="020B0604020202020204" pitchFamily="34" charset="0"/>
               </a:rPr>
@@ -3966,8 +3964,8 @@
         </p:nvSpPr>
         <p:spPr>
           <a:xfrm>
-            <a:off x="2234273" y="788205"/>
-            <a:ext cx="1167948" cy="369332"/>
+            <a:off x="3513480" y="1200370"/>
+            <a:ext cx="560804" cy="184666"/>
           </a:xfrm>
           <a:prstGeom prst="rect">
             <a:avLst/>
@@ -3975,13 +3973,14 @@
           <a:noFill/>
         </p:spPr>
         <p:txBody>
-          <a:bodyPr wrap="none" rtlCol="0">
+          <a:bodyPr wrap="square" rtlCol="0">
             <a:spAutoFit/>
           </a:bodyPr>
           <a:lstStyle/>
           <a:p>
-            <a:r>
-              <a:rPr lang="en-US" altLang="zh-CN" dirty="0">
+            <a:pPr algn="r"/>
+            <a:r>
+              <a:rPr lang="en-US" altLang="zh-CN" sz="600" dirty="0">
                 <a:latin typeface="Arial" panose="020B0604020202020204" pitchFamily="34" charset="0"/>
                 <a:ea typeface="Source Sans Pro" panose="020B0503030403020204" pitchFamily="34" charset="0"/>
                 <a:cs typeface="Arial" panose="020B0604020202020204" pitchFamily="34" charset="0"/>
@@ -3989,14 +3988,14 @@
               <a:t>Off-</a:t>
             </a:r>
             <a:r>
-              <a:rPr lang="en-US" altLang="zh-CN" dirty="0">
+              <a:rPr lang="en-US" altLang="zh-CN" sz="600" dirty="0">
                 <a:latin typeface="Arial" panose="020B0604020202020204" pitchFamily="34" charset="0"/>
                 <a:ea typeface="微软雅黑" panose="020B0503020204020204" pitchFamily="34" charset="-122"/>
                 <a:cs typeface="Arial" panose="020B0604020202020204" pitchFamily="34" charset="0"/>
               </a:rPr>
               <a:t>Chain</a:t>
             </a:r>
-            <a:endParaRPr lang="zh-CN" altLang="en-US" dirty="0">
+            <a:endParaRPr lang="zh-CN" altLang="en-US" sz="600" dirty="0">
               <a:latin typeface="Arial" panose="020B0604020202020204" pitchFamily="34" charset="0"/>
               <a:ea typeface="微软雅黑" panose="020B0503020204020204" pitchFamily="34" charset="-122"/>
               <a:cs typeface="Arial" panose="020B0604020202020204" pitchFamily="34" charset="0"/>
@@ -4022,16 +4021,16 @@
         </p:nvCxnSpPr>
         <p:spPr>
           <a:xfrm flipV="1">
-            <a:off x="2719270" y="3428998"/>
-            <a:ext cx="1704236" cy="2"/>
+            <a:off x="3741250" y="2431918"/>
+            <a:ext cx="724085" cy="1"/>
           </a:xfrm>
           <a:prstGeom prst="bentConnector3">
             <a:avLst>
               <a:gd name="adj1" fmla="val 50000"/>
             </a:avLst>
           </a:prstGeom>
-          <a:ln>
-            <a:tailEnd type="triangle"/>
+          <a:ln w="6350" cmpd="sng">
+            <a:tailEnd type="triangle" w="sm" len="sm"/>
           </a:ln>
         </p:spPr>
         <p:style>
@@ -4063,14 +4062,14 @@
         </p:nvSpPr>
         <p:spPr>
           <a:xfrm>
-            <a:off x="4423506" y="2972120"/>
-            <a:ext cx="1715419" cy="913756"/>
+            <a:off x="4465334" y="2237803"/>
+            <a:ext cx="728836" cy="388231"/>
           </a:xfrm>
           <a:prstGeom prst="rect">
             <a:avLst/>
           </a:prstGeom>
           <a:noFill/>
-          <a:ln>
+          <a:ln w="6350">
             <a:solidFill>
               <a:schemeClr val="tx1"/>
             </a:solidFill>
@@ -4098,7 +4097,7 @@
           <a:p>
             <a:pPr algn="ctr"/>
             <a:r>
-              <a:rPr lang="en-US" altLang="zh-CN" dirty="0">
+              <a:rPr lang="en-US" altLang="zh-CN" sz="600" dirty="0">
                 <a:solidFill>
                   <a:schemeClr val="tx1"/>
                 </a:solidFill>
@@ -4110,7 +4109,7 @@
           </a:p>
           <a:p>
             <a:pPr algn="ctr"/>
-            <a:endParaRPr lang="en-US" altLang="zh-CN" sz="1000" dirty="0">
+            <a:endParaRPr lang="en-US" altLang="zh-CN" sz="600" dirty="0">
               <a:solidFill>
                 <a:schemeClr val="bg2">
                   <a:lumMod val="25000"/>
@@ -4121,12 +4120,12 @@
             </a:endParaRPr>
           </a:p>
           <a:p>
-            <a:pPr marL="285750" indent="-285750">
+            <a:pPr marL="90488" indent="-90488">
               <a:buFont typeface="Arial" panose="020B0604020202020204" pitchFamily="34" charset="0"/>
               <a:buChar char="•"/>
             </a:pPr>
             <a:r>
-              <a:rPr lang="en-US" altLang="zh-CN" sz="1600" dirty="0">
+              <a:rPr lang="en-US" altLang="zh-CN" sz="600" dirty="0">
                 <a:solidFill>
                   <a:schemeClr val="bg2">
                     <a:lumMod val="25000"/>
@@ -4154,14 +4153,14 @@
         </p:nvSpPr>
         <p:spPr>
           <a:xfrm>
-            <a:off x="968046" y="3136657"/>
-            <a:ext cx="1751224" cy="584685"/>
+            <a:off x="2997201" y="2307710"/>
+            <a:ext cx="744049" cy="248417"/>
           </a:xfrm>
           <a:prstGeom prst="rect">
             <a:avLst/>
           </a:prstGeom>
           <a:noFill/>
-          <a:ln>
+          <a:ln w="6350">
             <a:solidFill>
               <a:schemeClr val="tx1"/>
             </a:solidFill>
@@ -4189,7 +4188,7 @@
           <a:p>
             <a:pPr algn="ctr"/>
             <a:r>
-              <a:rPr lang="en-US" altLang="zh-CN" dirty="0">
+              <a:rPr lang="en-US" altLang="zh-CN" sz="600" dirty="0">
                 <a:solidFill>
                   <a:schemeClr val="tx1"/>
                 </a:solidFill>
@@ -4198,7 +4197,7 @@
               </a:rPr>
               <a:t>Order book</a:t>
             </a:r>
-            <a:endParaRPr lang="zh-CN" altLang="en-US" dirty="0">
+            <a:endParaRPr lang="zh-CN" altLang="en-US" sz="600" dirty="0">
               <a:solidFill>
                 <a:schemeClr val="tx1"/>
               </a:solidFill>
@@ -4222,14 +4221,14 @@
         </p:nvSpPr>
         <p:spPr>
           <a:xfrm>
-            <a:off x="1109942" y="1394548"/>
-            <a:ext cx="1505675" cy="833438"/>
+            <a:off x="3057489" y="1472282"/>
+            <a:ext cx="639721" cy="354106"/>
           </a:xfrm>
           <a:prstGeom prst="ellipse">
             <a:avLst/>
           </a:prstGeom>
           <a:noFill/>
-          <a:ln>
+          <a:ln w="6350">
             <a:solidFill>
               <a:schemeClr val="tx1"/>
             </a:solidFill>
@@ -4257,7 +4256,7 @@
           <a:p>
             <a:pPr algn="ctr"/>
             <a:r>
-              <a:rPr lang="en-US" altLang="zh-CN" dirty="0">
+              <a:rPr lang="en-US" altLang="zh-CN" sz="600" dirty="0">
                 <a:solidFill>
                   <a:schemeClr val="tx1"/>
                 </a:solidFill>
@@ -4266,7 +4265,7 @@
               </a:rPr>
               <a:t>Trader </a:t>
             </a:r>
-            <a:endParaRPr lang="zh-CN" altLang="en-US" dirty="0">
+            <a:endParaRPr lang="zh-CN" altLang="en-US" sz="600" dirty="0">
               <a:solidFill>
                 <a:schemeClr val="tx1"/>
               </a:solidFill>
@@ -4290,14 +4289,14 @@
         </p:nvSpPr>
         <p:spPr>
           <a:xfrm>
-            <a:off x="6803742" y="4735640"/>
-            <a:ext cx="1505675" cy="833438"/>
+            <a:off x="5476634" y="3025177"/>
+            <a:ext cx="639721" cy="354106"/>
           </a:xfrm>
           <a:prstGeom prst="ellipse">
             <a:avLst/>
           </a:prstGeom>
           <a:noFill/>
-          <a:ln>
+          <a:ln w="6350">
             <a:solidFill>
               <a:schemeClr val="tx1"/>
             </a:solidFill>
@@ -4325,7 +4324,7 @@
           <a:p>
             <a:pPr algn="ctr"/>
             <a:r>
-              <a:rPr lang="en-US" altLang="zh-CN" dirty="0">
+              <a:rPr lang="en-US" altLang="zh-CN" sz="600" dirty="0">
                 <a:solidFill>
                   <a:schemeClr val="tx1"/>
                 </a:solidFill>
@@ -4351,14 +4350,14 @@
         </p:nvSpPr>
         <p:spPr>
           <a:xfrm>
-            <a:off x="9595504" y="4723434"/>
-            <a:ext cx="1505675" cy="833438"/>
+            <a:off x="6662780" y="3029517"/>
+            <a:ext cx="639721" cy="354106"/>
           </a:xfrm>
           <a:prstGeom prst="ellipse">
             <a:avLst/>
           </a:prstGeom>
           <a:noFill/>
-          <a:ln>
+          <a:ln w="6350">
             <a:solidFill>
               <a:schemeClr val="tx1"/>
             </a:solidFill>
@@ -4381,12 +4380,12 @@
           </a:fontRef>
         </p:style>
         <p:txBody>
-          <a:bodyPr rtlCol="0" anchor="ctr"/>
+          <a:bodyPr lIns="72000" rIns="72000" rtlCol="0" anchor="ctr"/>
           <a:lstStyle/>
           <a:p>
             <a:pPr algn="ctr"/>
             <a:r>
-              <a:rPr lang="en-US" altLang="zh-CN" dirty="0">
+              <a:rPr lang="en-US" altLang="zh-CN" sz="600" dirty="0">
                 <a:solidFill>
                   <a:schemeClr val="tx1"/>
                 </a:solidFill>
@@ -4412,14 +4411,14 @@
         </p:nvSpPr>
         <p:spPr>
           <a:xfrm>
-            <a:off x="5989320" y="1272268"/>
-            <a:ext cx="2206869" cy="1232808"/>
+            <a:off x="5130607" y="1515580"/>
+            <a:ext cx="937640" cy="531371"/>
           </a:xfrm>
           <a:prstGeom prst="rect">
             <a:avLst/>
           </a:prstGeom>
           <a:noFill/>
-          <a:ln>
+          <a:ln w="6350">
             <a:solidFill>
               <a:schemeClr val="tx1"/>
             </a:solidFill>
@@ -4447,7 +4446,7 @@
           <a:p>
             <a:pPr algn="ctr"/>
             <a:r>
-              <a:rPr lang="en-US" altLang="zh-CN" dirty="0">
+              <a:rPr lang="en-US" altLang="zh-CN" sz="600" dirty="0">
                 <a:solidFill>
                   <a:schemeClr val="tx1"/>
                 </a:solidFill>
@@ -4459,7 +4458,7 @@
           </a:p>
           <a:p>
             <a:pPr algn="ctr"/>
-            <a:endParaRPr lang="en-US" altLang="zh-CN" sz="1000" dirty="0">
+            <a:endParaRPr lang="en-US" altLang="zh-CN" sz="600" dirty="0">
               <a:solidFill>
                 <a:schemeClr val="bg2">
                   <a:lumMod val="25000"/>
@@ -4470,12 +4469,12 @@
             </a:endParaRPr>
           </a:p>
           <a:p>
-            <a:pPr marL="285750" indent="-285750">
+            <a:pPr marL="90488" indent="-90488">
               <a:buFont typeface="Arial" panose="020B0604020202020204" pitchFamily="34" charset="0"/>
               <a:buChar char="•"/>
             </a:pPr>
             <a:r>
-              <a:rPr lang="en-US" altLang="zh-CN" sz="1600" dirty="0">
+              <a:rPr lang="en-US" altLang="zh-CN" sz="600" dirty="0">
                 <a:solidFill>
                   <a:schemeClr val="bg2">
                     <a:lumMod val="25000"/>
@@ -4488,12 +4487,12 @@
             </a:r>
           </a:p>
           <a:p>
-            <a:pPr marL="285750" indent="-285750">
+            <a:pPr marL="90488" indent="-90488">
               <a:buFont typeface="Arial" panose="020B0604020202020204" pitchFamily="34" charset="0"/>
               <a:buChar char="•"/>
             </a:pPr>
             <a:r>
-              <a:rPr lang="en-US" altLang="zh-CN" sz="1600" dirty="0">
+              <a:rPr lang="en-US" altLang="zh-CN" sz="600" dirty="0">
                 <a:solidFill>
                   <a:schemeClr val="bg2">
                     <a:lumMod val="25000"/>
@@ -4506,12 +4505,12 @@
             </a:r>
           </a:p>
           <a:p>
-            <a:pPr marL="285750" indent="-285750">
+            <a:pPr marL="90488" indent="-90488">
               <a:buFont typeface="Arial" panose="020B0604020202020204" pitchFamily="34" charset="0"/>
               <a:buChar char="•"/>
             </a:pPr>
             <a:r>
-              <a:rPr lang="en-US" altLang="zh-CN" sz="1600" dirty="0">
+              <a:rPr lang="en-US" altLang="zh-CN" sz="600" dirty="0">
                 <a:solidFill>
                   <a:schemeClr val="bg2">
                     <a:lumMod val="25000"/>
@@ -4522,7 +4521,7 @@
               </a:rPr>
               <a:t>Liquidation</a:t>
             </a:r>
-            <a:endParaRPr lang="zh-CN" altLang="en-US" sz="1600" dirty="0">
+            <a:endParaRPr lang="zh-CN" altLang="en-US" sz="600" dirty="0">
               <a:solidFill>
                 <a:schemeClr val="bg2">
                   <a:lumMod val="25000"/>
@@ -4548,14 +4547,14 @@
         </p:nvSpPr>
         <p:spPr>
           <a:xfrm>
-            <a:off x="7772374" y="2940545"/>
-            <a:ext cx="2579758" cy="1412380"/>
+            <a:off x="5888180" y="2286302"/>
+            <a:ext cx="1096071" cy="518287"/>
           </a:xfrm>
           <a:prstGeom prst="rect">
             <a:avLst/>
           </a:prstGeom>
           <a:noFill/>
-          <a:ln>
+          <a:ln w="6350">
             <a:solidFill>
               <a:schemeClr val="tx1"/>
             </a:solidFill>
@@ -4583,7 +4582,7 @@
           <a:p>
             <a:pPr algn="ctr"/>
             <a:r>
-              <a:rPr lang="en-US" altLang="zh-CN" dirty="0">
+              <a:rPr lang="en-US" altLang="zh-CN" sz="600" dirty="0">
                 <a:solidFill>
                   <a:schemeClr val="tx1"/>
                 </a:solidFill>
@@ -4595,7 +4594,7 @@
           </a:p>
           <a:p>
             <a:pPr algn="ctr"/>
-            <a:endParaRPr lang="en-US" altLang="zh-CN" sz="1000" dirty="0">
+            <a:endParaRPr lang="en-US" altLang="zh-CN" sz="600" dirty="0">
               <a:solidFill>
                 <a:schemeClr val="bg2">
                   <a:lumMod val="25000"/>
@@ -4606,12 +4605,12 @@
             </a:endParaRPr>
           </a:p>
           <a:p>
-            <a:pPr marL="285750" indent="-285750">
+            <a:pPr marL="90488" indent="-90488">
               <a:buFont typeface="Arial" panose="020B0604020202020204" pitchFamily="34" charset="0"/>
               <a:buChar char="•"/>
             </a:pPr>
             <a:r>
-              <a:rPr lang="en-US" altLang="zh-CN" sz="1600" dirty="0">
+              <a:rPr lang="en-US" altLang="zh-CN" sz="600" dirty="0">
                 <a:solidFill>
                   <a:schemeClr val="bg2">
                     <a:lumMod val="25000"/>
@@ -4624,12 +4623,12 @@
             </a:r>
           </a:p>
           <a:p>
-            <a:pPr marL="285750" indent="-285750">
+            <a:pPr marL="90488" indent="-90488">
               <a:buFont typeface="Arial" panose="020B0604020202020204" pitchFamily="34" charset="0"/>
               <a:buChar char="•"/>
             </a:pPr>
             <a:r>
-              <a:rPr lang="en-US" altLang="zh-CN" sz="1600" dirty="0">
+              <a:rPr lang="en-US" altLang="zh-CN" sz="600" dirty="0">
                 <a:solidFill>
                   <a:schemeClr val="bg2">
                     <a:lumMod val="25000"/>
@@ -4638,16 +4637,16 @@
                 <a:latin typeface="Arial" panose="020B0604020202020204" pitchFamily="34" charset="0"/>
                 <a:cs typeface="Arial" panose="020B0604020202020204" pitchFamily="34" charset="0"/>
               </a:rPr>
-              <a:t>Add/remove Liquidity</a:t>
-            </a:r>
-          </a:p>
-          <a:p>
-            <a:pPr marL="285750" indent="-285750">
+              <a:t>Add/Remove Liquidity</a:t>
+            </a:r>
+          </a:p>
+          <a:p>
+            <a:pPr marL="90488" indent="-90488">
               <a:buFont typeface="Arial" panose="020B0604020202020204" pitchFamily="34" charset="0"/>
               <a:buChar char="•"/>
             </a:pPr>
             <a:r>
-              <a:rPr lang="en-US" altLang="zh-CN" sz="1600" dirty="0">
+              <a:rPr lang="en-US" altLang="zh-CN" sz="600" dirty="0">
                 <a:solidFill>
                   <a:schemeClr val="bg2">
                     <a:lumMod val="25000"/>
@@ -4679,14 +4678,14 @@
         </p:nvCxnSpPr>
         <p:spPr>
           <a:xfrm rot="5400000" flipH="1" flipV="1">
-            <a:off x="5093544" y="2076344"/>
-            <a:ext cx="1083448" cy="708104"/>
+            <a:off x="4751911" y="1859108"/>
+            <a:ext cx="456537" cy="300855"/>
           </a:xfrm>
           <a:prstGeom prst="bentConnector2">
             <a:avLst/>
           </a:prstGeom>
-          <a:ln>
-            <a:tailEnd type="triangle"/>
+          <a:ln w="6350" cmpd="sng">
+            <a:tailEnd type="triangle" w="sm" len="sm"/>
           </a:ln>
         </p:spPr>
         <p:style>
@@ -4722,14 +4721,14 @@
         </p:nvCxnSpPr>
         <p:spPr>
           <a:xfrm rot="16200000" flipV="1">
-            <a:off x="8103285" y="1981577"/>
-            <a:ext cx="1051873" cy="866064"/>
+            <a:off x="5999714" y="1849799"/>
+            <a:ext cx="505036" cy="367969"/>
           </a:xfrm>
           <a:prstGeom prst="bentConnector2">
             <a:avLst/>
           </a:prstGeom>
           <a:ln>
-            <a:tailEnd type="triangle"/>
+            <a:tailEnd type="triangle" w="sm" len="sm"/>
           </a:ln>
         </p:spPr>
         <p:style>
@@ -4765,8 +4764,8 @@
         </p:nvCxnSpPr>
         <p:spPr>
           <a:xfrm rot="5400000" flipH="1" flipV="1">
-            <a:off x="8118059" y="3791447"/>
-            <a:ext cx="382715" cy="1505673"/>
+            <a:off x="6006061" y="2595023"/>
+            <a:ext cx="220588" cy="639721"/>
           </a:xfrm>
           <a:prstGeom prst="bentConnector3">
             <a:avLst>
@@ -4774,7 +4773,7 @@
             </a:avLst>
           </a:prstGeom>
           <a:ln>
-            <a:tailEnd type="triangle"/>
+            <a:tailEnd type="triangle" w="sm" len="sm"/>
           </a:ln>
         </p:spPr>
         <p:style>
@@ -4810,8 +4809,8 @@
         </p:nvCxnSpPr>
         <p:spPr>
           <a:xfrm rot="16200000" flipV="1">
-            <a:off x="9520044" y="3895135"/>
-            <a:ext cx="370509" cy="1286089"/>
+            <a:off x="6596965" y="2643840"/>
+            <a:ext cx="224928" cy="546425"/>
           </a:xfrm>
           <a:prstGeom prst="bentConnector3">
             <a:avLst>
@@ -4819,7 +4818,7 @@
             </a:avLst>
           </a:prstGeom>
           <a:ln>
-            <a:tailEnd type="triangle"/>
+            <a:tailEnd type="triangle" w="sm" len="sm"/>
           </a:ln>
         </p:spPr>
         <p:style>
@@ -4851,8 +4850,8 @@
         </p:nvSpPr>
         <p:spPr>
           <a:xfrm>
-            <a:off x="4569437" y="2418831"/>
-            <a:ext cx="778803" cy="369332"/>
+            <a:off x="4435258" y="2002725"/>
+            <a:ext cx="422972" cy="184666"/>
           </a:xfrm>
           <a:prstGeom prst="rect">
             <a:avLst/>
@@ -4860,13 +4859,14 @@
           <a:noFill/>
         </p:spPr>
         <p:txBody>
-          <a:bodyPr wrap="none" rtlCol="0">
+          <a:bodyPr wrap="square" rtlCol="0">
             <a:spAutoFit/>
           </a:bodyPr>
           <a:lstStyle/>
           <a:p>
-            <a:r>
-              <a:rPr lang="en-US" altLang="zh-CN" dirty="0">
+            <a:pPr algn="r"/>
+            <a:r>
+              <a:rPr lang="en-US" altLang="zh-CN" sz="600" dirty="0">
                 <a:latin typeface="Arial" panose="020B0604020202020204" pitchFamily="34" charset="0"/>
                 <a:cs typeface="Arial" panose="020B0604020202020204" pitchFamily="34" charset="0"/>
               </a:rPr>
@@ -4889,8 +4889,8 @@
         </p:nvSpPr>
         <p:spPr>
           <a:xfrm>
-            <a:off x="8196189" y="2197658"/>
-            <a:ext cx="778803" cy="369332"/>
+            <a:off x="6393215" y="1874102"/>
+            <a:ext cx="1045810" cy="369332"/>
           </a:xfrm>
           <a:prstGeom prst="rect">
             <a:avLst/>
@@ -4898,19 +4898,28 @@
           <a:noFill/>
         </p:spPr>
         <p:txBody>
-          <a:bodyPr wrap="none" rtlCol="0">
+          <a:bodyPr wrap="square" rtlCol="0">
             <a:spAutoFit/>
           </a:bodyPr>
           <a:lstStyle/>
           <a:p>
             <a:r>
-              <a:rPr lang="en-US" altLang="zh-CN" dirty="0">
+              <a:rPr lang="en-US" altLang="zh-CN" sz="600" dirty="0">
                 <a:latin typeface="Arial" panose="020B0604020202020204" pitchFamily="34" charset="0"/>
                 <a:cs typeface="Arial" panose="020B0604020202020204" pitchFamily="34" charset="0"/>
               </a:rPr>
               <a:t>Trade</a:t>
             </a:r>
           </a:p>
+          <a:p>
+            <a:r>
+              <a:rPr lang="en-US" altLang="zh-CN" sz="600" dirty="0">
+                <a:latin typeface="Arial" panose="020B0604020202020204" pitchFamily="34" charset="0"/>
+                <a:cs typeface="Arial" panose="020B0604020202020204" pitchFamily="34" charset="0"/>
+              </a:rPr>
+              <a:t>Update Mark Price Update Funding Rate</a:t>
+            </a:r>
+          </a:p>
         </p:txBody>
       </p:sp>
       <p:sp>
@@ -4927,8 +4936,8 @@
         </p:nvSpPr>
         <p:spPr>
           <a:xfrm>
-            <a:off x="7746579" y="4513049"/>
-            <a:ext cx="2428935" cy="369332"/>
+            <a:off x="5877220" y="2892503"/>
+            <a:ext cx="1031990" cy="184666"/>
           </a:xfrm>
           <a:prstGeom prst="rect">
             <a:avLst/>
@@ -4936,13 +4945,14 @@
           <a:noFill/>
         </p:spPr>
         <p:txBody>
-          <a:bodyPr wrap="none" rtlCol="0">
+          <a:bodyPr wrap="square" rtlCol="0">
             <a:spAutoFit/>
           </a:bodyPr>
           <a:lstStyle/>
           <a:p>
-            <a:r>
-              <a:rPr lang="en-US" altLang="zh-CN" dirty="0">
+            <a:pPr algn="ctr"/>
+            <a:r>
+              <a:rPr lang="en-US" altLang="zh-CN" sz="600" dirty="0">
                 <a:latin typeface="Arial" panose="020B0604020202020204" pitchFamily="34" charset="0"/>
                 <a:cs typeface="Arial" panose="020B0604020202020204" pitchFamily="34" charset="0"/>
               </a:rPr>
@@ -4965,14 +4975,14 @@
         </p:nvSpPr>
         <p:spPr>
           <a:xfrm>
-            <a:off x="9486069" y="1157537"/>
-            <a:ext cx="1505675" cy="833438"/>
+            <a:off x="6616284" y="1466834"/>
+            <a:ext cx="639721" cy="354106"/>
           </a:xfrm>
           <a:prstGeom prst="ellipse">
             <a:avLst/>
           </a:prstGeom>
           <a:noFill/>
-          <a:ln>
+          <a:ln w="6350">
             <a:solidFill>
               <a:schemeClr val="tx1"/>
             </a:solidFill>
@@ -5000,7 +5010,7 @@
           <a:p>
             <a:pPr algn="ctr"/>
             <a:r>
-              <a:rPr lang="en-US" altLang="zh-CN" dirty="0">
+              <a:rPr lang="en-US" altLang="zh-CN" sz="600" dirty="0">
                 <a:solidFill>
                   <a:schemeClr val="tx1"/>
                 </a:solidFill>
@@ -5009,7 +5019,7 @@
               </a:rPr>
               <a:t>Keeper</a:t>
             </a:r>
-            <a:endParaRPr lang="zh-CN" altLang="en-US" dirty="0">
+            <a:endParaRPr lang="zh-CN" altLang="en-US" sz="600" dirty="0">
               <a:solidFill>
                 <a:schemeClr val="tx1"/>
               </a:solidFill>
@@ -5035,14 +5045,14 @@
         </p:nvCxnSpPr>
         <p:spPr>
           <a:xfrm flipH="1">
-            <a:off x="8196189" y="1574256"/>
-            <a:ext cx="1289880" cy="0"/>
+            <a:off x="6068248" y="1643887"/>
+            <a:ext cx="548036" cy="0"/>
           </a:xfrm>
           <a:prstGeom prst="straightConnector1">
             <a:avLst/>
           </a:prstGeom>
           <a:ln>
-            <a:tailEnd type="triangle"/>
+            <a:tailEnd type="triangle" w="sm" len="sm"/>
           </a:ln>
         </p:spPr>
         <p:style>
@@ -5074,8 +5084,8 @@
         </p:nvSpPr>
         <p:spPr>
           <a:xfrm>
-            <a:off x="8254115" y="1200611"/>
-            <a:ext cx="1300356" cy="369332"/>
+            <a:off x="6092859" y="1466087"/>
+            <a:ext cx="569921" cy="184666"/>
           </a:xfrm>
           <a:prstGeom prst="rect">
             <a:avLst/>
@@ -5083,13 +5093,13 @@
           <a:noFill/>
         </p:spPr>
         <p:txBody>
-          <a:bodyPr wrap="none" rtlCol="0">
+          <a:bodyPr wrap="square" rtlCol="0">
             <a:spAutoFit/>
           </a:bodyPr>
           <a:lstStyle/>
           <a:p>
             <a:r>
-              <a:rPr lang="en-US" altLang="zh-CN" dirty="0">
+              <a:rPr lang="en-US" altLang="zh-CN" sz="600" dirty="0">
                 <a:latin typeface="Arial" panose="020B0604020202020204" pitchFamily="34" charset="0"/>
                 <a:cs typeface="Arial" panose="020B0604020202020204" pitchFamily="34" charset="0"/>
               </a:rPr>
@@ -5112,14 +5122,14 @@
         </p:nvSpPr>
         <p:spPr>
           <a:xfrm>
-            <a:off x="4595402" y="4735640"/>
-            <a:ext cx="1505675" cy="833438"/>
+            <a:off x="4554449" y="3025558"/>
+            <a:ext cx="639721" cy="354106"/>
           </a:xfrm>
           <a:prstGeom prst="ellipse">
             <a:avLst/>
           </a:prstGeom>
           <a:noFill/>
-          <a:ln>
+          <a:ln w="6350">
             <a:solidFill>
               <a:schemeClr val="tx1"/>
             </a:solidFill>
@@ -5147,7 +5157,7 @@
           <a:p>
             <a:pPr algn="ctr"/>
             <a:r>
-              <a:rPr lang="en-US" altLang="zh-CN" dirty="0">
+              <a:rPr lang="en-US" altLang="zh-CN" sz="600" dirty="0">
                 <a:solidFill>
                   <a:schemeClr val="tx1"/>
                 </a:solidFill>
@@ -5156,7 +5166,7 @@
               </a:rPr>
               <a:t>Oracle</a:t>
             </a:r>
-            <a:endParaRPr lang="zh-CN" altLang="en-US" dirty="0">
+            <a:endParaRPr lang="zh-CN" altLang="en-US" sz="600" dirty="0">
               <a:solidFill>
                 <a:schemeClr val="tx1"/>
               </a:solidFill>
@@ -5177,22 +5187,21 @@
           </p:cNvPr>
           <p:cNvCxnSpPr>
             <a:cxnSpLocks/>
-            <a:stCxn id="41" idx="6"/>
           </p:cNvCxnSpPr>
           <p:nvPr/>
         </p:nvCxnSpPr>
         <p:spPr>
           <a:xfrm flipV="1">
-            <a:off x="6101077" y="4069833"/>
-            <a:ext cx="1633449" cy="1082526"/>
+            <a:off x="5198933" y="2671240"/>
+            <a:ext cx="683050" cy="531371"/>
           </a:xfrm>
           <a:prstGeom prst="bentConnector3">
             <a:avLst>
-              <a:gd name="adj1" fmla="val 25886"/>
+              <a:gd name="adj1" fmla="val 23505"/>
             </a:avLst>
           </a:prstGeom>
           <a:ln>
-            <a:tailEnd type="triangle"/>
+            <a:tailEnd type="triangle" w="sm" len="sm"/>
           </a:ln>
         </p:spPr>
         <p:style>
@@ -5224,8 +5233,8 @@
         </p:nvSpPr>
         <p:spPr>
           <a:xfrm>
-            <a:off x="5832265" y="4279088"/>
-            <a:ext cx="748923" cy="369332"/>
+            <a:off x="4991100" y="2793099"/>
+            <a:ext cx="390977" cy="184666"/>
           </a:xfrm>
           <a:prstGeom prst="rect">
             <a:avLst/>
@@ -5233,55 +5242,18 @@
           <a:noFill/>
         </p:spPr>
         <p:txBody>
-          <a:bodyPr wrap="none" rtlCol="0">
+          <a:bodyPr wrap="square" rtlCol="0">
             <a:spAutoFit/>
           </a:bodyPr>
           <a:lstStyle/>
           <a:p>
-            <a:r>
-              <a:rPr lang="en-US" altLang="zh-CN" dirty="0">
+            <a:pPr algn="r"/>
+            <a:r>
+              <a:rPr lang="en-US" altLang="zh-CN" sz="600" dirty="0">
                 <a:latin typeface="Arial" panose="020B0604020202020204" pitchFamily="34" charset="0"/>
                 <a:cs typeface="Arial" panose="020B0604020202020204" pitchFamily="34" charset="0"/>
               </a:rPr>
               <a:t>Index</a:t>
-            </a:r>
-          </a:p>
-        </p:txBody>
-      </p:sp>
-      <p:sp>
-        <p:nvSpPr>
-          <p:cNvPr id="48" name="文本框 47">
-            <a:extLst>
-              <a:ext uri="{FF2B5EF4-FFF2-40B4-BE49-F238E27FC236}">
-                <a16:creationId xmlns:a16="http://schemas.microsoft.com/office/drawing/2014/main" id="{83260B67-8CD5-4F0A-A3B9-A369B923AED0}"/>
-              </a:ext>
-            </a:extLst>
-          </p:cNvPr>
-          <p:cNvSpPr txBox="1"/>
-          <p:nvPr/>
-        </p:nvSpPr>
-        <p:spPr>
-          <a:xfrm>
-            <a:off x="7302596" y="2559006"/>
-            <a:ext cx="3689148" cy="369332"/>
-          </a:xfrm>
-          <a:prstGeom prst="rect">
-            <a:avLst/>
-          </a:prstGeom>
-          <a:noFill/>
-        </p:spPr>
-        <p:txBody>
-          <a:bodyPr wrap="square" rtlCol="0">
-            <a:spAutoFit/>
-          </a:bodyPr>
-          <a:lstStyle/>
-          <a:p>
-            <a:r>
-              <a:rPr lang="en-US" altLang="zh-CN" dirty="0">
-                <a:latin typeface="Arial" panose="020B0604020202020204" pitchFamily="34" charset="0"/>
-                <a:cs typeface="Arial" panose="020B0604020202020204" pitchFamily="34" charset="0"/>
-              </a:rPr>
-              <a:t>Update Mark Price/ Funding Rate</a:t>
             </a:r>
           </a:p>
         </p:txBody>
@@ -5303,14 +5275,14 @@
         </p:nvCxnSpPr>
         <p:spPr>
           <a:xfrm flipH="1">
-            <a:off x="1843658" y="2227986"/>
-            <a:ext cx="19122" cy="908671"/>
+            <a:off x="3369226" y="1826388"/>
+            <a:ext cx="8124" cy="481322"/>
           </a:xfrm>
           <a:prstGeom prst="straightConnector1">
             <a:avLst/>
           </a:prstGeom>
-          <a:ln>
-            <a:tailEnd type="triangle"/>
+          <a:ln w="6350" cmpd="sng">
+            <a:tailEnd type="triangle" w="sm" len="sm"/>
           </a:ln>
         </p:spPr>
         <p:style>
@@ -5344,14 +5316,14 @@
         </p:nvCxnSpPr>
         <p:spPr>
           <a:xfrm>
-            <a:off x="2605448" y="1783131"/>
-            <a:ext cx="3373703" cy="0"/>
+            <a:off x="3697653" y="1642142"/>
+            <a:ext cx="1433397" cy="0"/>
           </a:xfrm>
           <a:prstGeom prst="straightConnector1">
             <a:avLst/>
           </a:prstGeom>
-          <a:ln>
-            <a:tailEnd type="triangle"/>
+          <a:ln w="6350" cmpd="sng">
+            <a:tailEnd type="triangle" w="sm" len="sm"/>
           </a:ln>
         </p:spPr>
         <p:style>
@@ -5383,8 +5355,8 @@
         </p:nvSpPr>
         <p:spPr>
           <a:xfrm>
-            <a:off x="2754212" y="1364969"/>
-            <a:ext cx="2762295" cy="369332"/>
+            <a:off x="3714765" y="1464476"/>
+            <a:ext cx="1173626" cy="184666"/>
           </a:xfrm>
           <a:prstGeom prst="rect">
             <a:avLst/>
@@ -5392,13 +5364,13 @@
           <a:noFill/>
         </p:spPr>
         <p:txBody>
-          <a:bodyPr wrap="none" rtlCol="0">
+          <a:bodyPr wrap="square" rtlCol="0">
             <a:spAutoFit/>
           </a:bodyPr>
           <a:lstStyle/>
           <a:p>
             <a:r>
-              <a:rPr lang="en-US" altLang="zh-CN" dirty="0">
+              <a:rPr lang="en-US" altLang="zh-CN" sz="600" dirty="0">
                 <a:latin typeface="Arial" panose="020B0604020202020204" pitchFamily="34" charset="0"/>
                 <a:cs typeface="Arial" panose="020B0604020202020204" pitchFamily="34" charset="0"/>
               </a:rPr>

--- a/en/asset/mai2-arch.pptx
+++ b/en/asset/mai2-arch.pptx
@@ -4109,7 +4109,7 @@
           </a:p>
           <a:p>
             <a:pPr algn="ctr"/>
-            <a:endParaRPr lang="en-US" altLang="zh-CN" sz="600" dirty="0">
+            <a:endParaRPr lang="en-US" altLang="zh-CN" sz="500" dirty="0">
               <a:solidFill>
                 <a:schemeClr val="bg2">
                   <a:lumMod val="25000"/>
@@ -4120,7 +4120,7 @@
             </a:endParaRPr>
           </a:p>
           <a:p>
-            <a:pPr marL="90488" indent="-90488">
+            <a:pPr marL="88900" indent="-88900">
               <a:buFont typeface="Arial" panose="020B0604020202020204" pitchFamily="34" charset="0"/>
               <a:buChar char="•"/>
             </a:pPr>
@@ -4458,7 +4458,7 @@
           </a:p>
           <a:p>
             <a:pPr algn="ctr"/>
-            <a:endParaRPr lang="en-US" altLang="zh-CN" sz="600" dirty="0">
+            <a:endParaRPr lang="en-US" altLang="zh-CN" sz="500" dirty="0">
               <a:solidFill>
                 <a:schemeClr val="bg2">
                   <a:lumMod val="25000"/>
@@ -4594,7 +4594,7 @@
           </a:p>
           <a:p>
             <a:pPr algn="ctr"/>
-            <a:endParaRPr lang="en-US" altLang="zh-CN" sz="600" dirty="0">
+            <a:endParaRPr lang="en-US" altLang="zh-CN" sz="500" dirty="0">
               <a:solidFill>
                 <a:schemeClr val="bg2">
                   <a:lumMod val="25000"/>

--- a/en/asset/mai2-arch.pptx
+++ b/en/asset/mai2-arch.pptx
@@ -197,7 +197,7 @@
           <a:p>
             <a:fld id="{B026110B-5B1F-4063-BCA6-030140F75AD4}" type="datetimeFigureOut">
               <a:rPr lang="zh-CN" altLang="en-US" smtClean="0"/>
-              <a:t>2020/6/12</a:t>
+              <a:t>2020/6/16</a:t>
             </a:fld>
             <a:endParaRPr lang="zh-CN" altLang="en-US"/>
           </a:p>
@@ -695,7 +695,7 @@
           <a:p>
             <a:fld id="{F5070D61-C366-4358-8D3B-3705082AF76F}" type="datetimeFigureOut">
               <a:rPr lang="zh-CN" altLang="en-US" smtClean="0"/>
-              <a:t>2020/6/12</a:t>
+              <a:t>2020/6/16</a:t>
             </a:fld>
             <a:endParaRPr lang="zh-CN" altLang="en-US"/>
           </a:p>
@@ -893,7 +893,7 @@
           <a:p>
             <a:fld id="{F5070D61-C366-4358-8D3B-3705082AF76F}" type="datetimeFigureOut">
               <a:rPr lang="zh-CN" altLang="en-US" smtClean="0"/>
-              <a:t>2020/6/12</a:t>
+              <a:t>2020/6/16</a:t>
             </a:fld>
             <a:endParaRPr lang="zh-CN" altLang="en-US"/>
           </a:p>
@@ -1101,7 +1101,7 @@
           <a:p>
             <a:fld id="{F5070D61-C366-4358-8D3B-3705082AF76F}" type="datetimeFigureOut">
               <a:rPr lang="zh-CN" altLang="en-US" smtClean="0"/>
-              <a:t>2020/6/12</a:t>
+              <a:t>2020/6/16</a:t>
             </a:fld>
             <a:endParaRPr lang="zh-CN" altLang="en-US"/>
           </a:p>
@@ -1299,7 +1299,7 @@
           <a:p>
             <a:fld id="{F5070D61-C366-4358-8D3B-3705082AF76F}" type="datetimeFigureOut">
               <a:rPr lang="zh-CN" altLang="en-US" smtClean="0"/>
-              <a:t>2020/6/12</a:t>
+              <a:t>2020/6/16</a:t>
             </a:fld>
             <a:endParaRPr lang="zh-CN" altLang="en-US"/>
           </a:p>
@@ -1574,7 +1574,7 @@
           <a:p>
             <a:fld id="{F5070D61-C366-4358-8D3B-3705082AF76F}" type="datetimeFigureOut">
               <a:rPr lang="zh-CN" altLang="en-US" smtClean="0"/>
-              <a:t>2020/6/12</a:t>
+              <a:t>2020/6/16</a:t>
             </a:fld>
             <a:endParaRPr lang="zh-CN" altLang="en-US"/>
           </a:p>
@@ -1839,7 +1839,7 @@
           <a:p>
             <a:fld id="{F5070D61-C366-4358-8D3B-3705082AF76F}" type="datetimeFigureOut">
               <a:rPr lang="zh-CN" altLang="en-US" smtClean="0"/>
-              <a:t>2020/6/12</a:t>
+              <a:t>2020/6/16</a:t>
             </a:fld>
             <a:endParaRPr lang="zh-CN" altLang="en-US"/>
           </a:p>
@@ -2251,7 +2251,7 @@
           <a:p>
             <a:fld id="{F5070D61-C366-4358-8D3B-3705082AF76F}" type="datetimeFigureOut">
               <a:rPr lang="zh-CN" altLang="en-US" smtClean="0"/>
-              <a:t>2020/6/12</a:t>
+              <a:t>2020/6/16</a:t>
             </a:fld>
             <a:endParaRPr lang="zh-CN" altLang="en-US"/>
           </a:p>
@@ -2392,7 +2392,7 @@
           <a:p>
             <a:fld id="{F5070D61-C366-4358-8D3B-3705082AF76F}" type="datetimeFigureOut">
               <a:rPr lang="zh-CN" altLang="en-US" smtClean="0"/>
-              <a:t>2020/6/12</a:t>
+              <a:t>2020/6/16</a:t>
             </a:fld>
             <a:endParaRPr lang="zh-CN" altLang="en-US"/>
           </a:p>
@@ -2505,7 +2505,7 @@
           <a:p>
             <a:fld id="{F5070D61-C366-4358-8D3B-3705082AF76F}" type="datetimeFigureOut">
               <a:rPr lang="zh-CN" altLang="en-US" smtClean="0"/>
-              <a:t>2020/6/12</a:t>
+              <a:t>2020/6/16</a:t>
             </a:fld>
             <a:endParaRPr lang="zh-CN" altLang="en-US"/>
           </a:p>
@@ -2816,7 +2816,7 @@
           <a:p>
             <a:fld id="{F5070D61-C366-4358-8D3B-3705082AF76F}" type="datetimeFigureOut">
               <a:rPr lang="zh-CN" altLang="en-US" smtClean="0"/>
-              <a:t>2020/6/12</a:t>
+              <a:t>2020/6/16</a:t>
             </a:fld>
             <a:endParaRPr lang="zh-CN" altLang="en-US"/>
           </a:p>
@@ -3104,7 +3104,7 @@
           <a:p>
             <a:fld id="{F5070D61-C366-4358-8D3B-3705082AF76F}" type="datetimeFigureOut">
               <a:rPr lang="zh-CN" altLang="en-US" smtClean="0"/>
-              <a:t>2020/6/12</a:t>
+              <a:t>2020/6/16</a:t>
             </a:fld>
             <a:endParaRPr lang="zh-CN" altLang="en-US"/>
           </a:p>
@@ -3345,7 +3345,7 @@
           <a:p>
             <a:fld id="{F5070D61-C366-4358-8D3B-3705082AF76F}" type="datetimeFigureOut">
               <a:rPr lang="zh-CN" altLang="en-US" smtClean="0"/>
-              <a:t>2020/6/12</a:t>
+              <a:t>2020/6/16</a:t>
             </a:fld>
             <a:endParaRPr lang="zh-CN" altLang="en-US"/>
           </a:p>
@@ -4289,7 +4289,7 @@
         </p:nvSpPr>
         <p:spPr>
           <a:xfrm>
-            <a:off x="5476634" y="3025177"/>
+            <a:off x="5481397" y="3025177"/>
             <a:ext cx="639721" cy="354106"/>
           </a:xfrm>
           <a:prstGeom prst="ellipse">
@@ -4350,7 +4350,7 @@
         </p:nvSpPr>
         <p:spPr>
           <a:xfrm>
-            <a:off x="6662780" y="3029517"/>
+            <a:off x="6756780" y="3029517"/>
             <a:ext cx="639721" cy="354106"/>
           </a:xfrm>
           <a:prstGeom prst="ellipse">
@@ -4764,8 +4764,8 @@
         </p:nvCxnSpPr>
         <p:spPr>
           <a:xfrm rot="5400000" flipH="1" flipV="1">
-            <a:off x="6006061" y="2595023"/>
-            <a:ext cx="220588" cy="639721"/>
+            <a:off x="6008443" y="2597404"/>
+            <a:ext cx="220588" cy="634958"/>
           </a:xfrm>
           <a:prstGeom prst="bentConnector3">
             <a:avLst>
@@ -4809,8 +4809,8 @@
         </p:nvCxnSpPr>
         <p:spPr>
           <a:xfrm rot="16200000" flipV="1">
-            <a:off x="6596965" y="2643840"/>
-            <a:ext cx="224928" cy="546425"/>
+            <a:off x="6643965" y="2596840"/>
+            <a:ext cx="224928" cy="640425"/>
           </a:xfrm>
           <a:prstGeom prst="bentConnector3">
             <a:avLst>
@@ -4936,7 +4936,7 @@
         </p:nvSpPr>
         <p:spPr>
           <a:xfrm>
-            <a:off x="5877220" y="2892503"/>
+            <a:off x="5915323" y="2892503"/>
             <a:ext cx="1031990" cy="184666"/>
           </a:xfrm>
           <a:prstGeom prst="rect">
@@ -5192,12 +5192,12 @@
         </p:nvCxnSpPr>
         <p:spPr>
           <a:xfrm flipV="1">
-            <a:off x="5198933" y="2671240"/>
-            <a:ext cx="683050" cy="531371"/>
+            <a:off x="5198933" y="2739561"/>
+            <a:ext cx="687121" cy="463051"/>
           </a:xfrm>
           <a:prstGeom prst="bentConnector3">
             <a:avLst>
-              <a:gd name="adj1" fmla="val 23505"/>
+              <a:gd name="adj1" fmla="val 19503"/>
             </a:avLst>
           </a:prstGeom>
           <a:ln>
@@ -5233,7 +5233,7 @@
         </p:nvSpPr>
         <p:spPr>
           <a:xfrm>
-            <a:off x="4991100" y="2793099"/>
+            <a:off x="5298428" y="2736438"/>
             <a:ext cx="390977" cy="184666"/>
           </a:xfrm>
           <a:prstGeom prst="rect">
@@ -5247,7 +5247,6 @@
           </a:bodyPr>
           <a:lstStyle/>
           <a:p>
-            <a:pPr algn="r"/>
             <a:r>
               <a:rPr lang="en-US" altLang="zh-CN" sz="600" dirty="0">
                 <a:latin typeface="Arial" panose="020B0604020202020204" pitchFamily="34" charset="0"/>
@@ -5376,6 +5375,245 @@
               </a:rPr>
               <a:t>Deposit/Withdraw Margin</a:t>
             </a:r>
+          </a:p>
+        </p:txBody>
+      </p:sp>
+      <p:sp>
+        <p:nvSpPr>
+          <p:cNvPr id="33" name="椭圆 32">
+            <a:extLst>
+              <a:ext uri="{FF2B5EF4-FFF2-40B4-BE49-F238E27FC236}">
+                <a16:creationId xmlns:a16="http://schemas.microsoft.com/office/drawing/2014/main" id="{9F7D677B-9979-4928-9F6F-E301A3E862BD}"/>
+              </a:ext>
+            </a:extLst>
+          </p:cNvPr>
+          <p:cNvSpPr/>
+          <p:nvPr/>
+        </p:nvSpPr>
+        <p:spPr>
+          <a:xfrm>
+            <a:off x="3049364" y="3025177"/>
+            <a:ext cx="639721" cy="354106"/>
+          </a:xfrm>
+          <a:prstGeom prst="ellipse">
+            <a:avLst/>
+          </a:prstGeom>
+          <a:noFill/>
+          <a:ln w="6350">
+            <a:solidFill>
+              <a:schemeClr val="tx1"/>
+            </a:solidFill>
+          </a:ln>
+        </p:spPr>
+        <p:style>
+          <a:lnRef idx="2">
+            <a:schemeClr val="accent1">
+              <a:shade val="50000"/>
+            </a:schemeClr>
+          </a:lnRef>
+          <a:fillRef idx="1">
+            <a:schemeClr val="accent1"/>
+          </a:fillRef>
+          <a:effectRef idx="0">
+            <a:schemeClr val="accent1"/>
+          </a:effectRef>
+          <a:fontRef idx="minor">
+            <a:schemeClr val="lt1"/>
+          </a:fontRef>
+        </p:style>
+        <p:txBody>
+          <a:bodyPr lIns="0" rIns="0" rtlCol="0" anchor="ctr"/>
+          <a:lstStyle/>
+          <a:p>
+            <a:pPr algn="ctr"/>
+            <a:r>
+              <a:rPr lang="en-US" altLang="zh-CN" sz="600" dirty="0">
+                <a:solidFill>
+                  <a:schemeClr val="tx1"/>
+                </a:solidFill>
+                <a:latin typeface="Arial" panose="020B0604020202020204" pitchFamily="34" charset="0"/>
+                <a:cs typeface="Arial" panose="020B0604020202020204" pitchFamily="34" charset="0"/>
+              </a:rPr>
+              <a:t>Arbitrageur</a:t>
+            </a:r>
+            <a:endParaRPr lang="zh-CN" altLang="en-US" sz="600" dirty="0">
+              <a:solidFill>
+                <a:schemeClr val="tx1"/>
+              </a:solidFill>
+              <a:latin typeface="Arial" panose="020B0604020202020204" pitchFamily="34" charset="0"/>
+              <a:cs typeface="Arial" panose="020B0604020202020204" pitchFamily="34" charset="0"/>
+            </a:endParaRPr>
+          </a:p>
+        </p:txBody>
+      </p:sp>
+      <p:cxnSp>
+        <p:nvCxnSpPr>
+          <p:cNvPr id="35" name="直接箭头连接符 34">
+            <a:extLst>
+              <a:ext uri="{FF2B5EF4-FFF2-40B4-BE49-F238E27FC236}">
+                <a16:creationId xmlns:a16="http://schemas.microsoft.com/office/drawing/2014/main" id="{FE19DEA2-2209-4253-8918-2353CEF17664}"/>
+              </a:ext>
+            </a:extLst>
+          </p:cNvPr>
+          <p:cNvCxnSpPr>
+            <a:cxnSpLocks/>
+            <a:stCxn id="33" idx="0"/>
+            <a:endCxn id="64" idx="2"/>
+          </p:cNvCxnSpPr>
+          <p:nvPr/>
+        </p:nvCxnSpPr>
+        <p:spPr>
+          <a:xfrm flipV="1">
+            <a:off x="3369225" y="2556127"/>
+            <a:ext cx="1" cy="469050"/>
+          </a:xfrm>
+          <a:prstGeom prst="straightConnector1">
+            <a:avLst/>
+          </a:prstGeom>
+          <a:ln w="6350" cmpd="sng">
+            <a:tailEnd type="triangle" w="sm" len="sm"/>
+          </a:ln>
+        </p:spPr>
+        <p:style>
+          <a:lnRef idx="1">
+            <a:schemeClr val="dk1"/>
+          </a:lnRef>
+          <a:fillRef idx="0">
+            <a:schemeClr val="dk1"/>
+          </a:fillRef>
+          <a:effectRef idx="0">
+            <a:schemeClr val="dk1"/>
+          </a:effectRef>
+          <a:fontRef idx="minor">
+            <a:schemeClr val="tx1"/>
+          </a:fontRef>
+        </p:style>
+      </p:cxnSp>
+      <p:sp>
+        <p:nvSpPr>
+          <p:cNvPr id="36" name="文本框 35">
+            <a:extLst>
+              <a:ext uri="{FF2B5EF4-FFF2-40B4-BE49-F238E27FC236}">
+                <a16:creationId xmlns:a16="http://schemas.microsoft.com/office/drawing/2014/main" id="{8599C153-F376-46E0-AAC3-A7CF4C65BE9A}"/>
+              </a:ext>
+            </a:extLst>
+          </p:cNvPr>
+          <p:cNvSpPr txBox="1"/>
+          <p:nvPr/>
+        </p:nvSpPr>
+        <p:spPr>
+          <a:xfrm>
+            <a:off x="3324367" y="2730217"/>
+            <a:ext cx="661458" cy="184666"/>
+          </a:xfrm>
+          <a:prstGeom prst="rect">
+            <a:avLst/>
+          </a:prstGeom>
+          <a:noFill/>
+        </p:spPr>
+        <p:txBody>
+          <a:bodyPr wrap="square" rtlCol="0">
+            <a:spAutoFit/>
+          </a:bodyPr>
+          <a:lstStyle/>
+          <a:p>
+            <a:r>
+              <a:rPr lang="en-US" altLang="zh-CN" sz="600" dirty="0">
+                <a:latin typeface="Arial" panose="020B0604020202020204" pitchFamily="34" charset="0"/>
+                <a:cs typeface="Arial" panose="020B0604020202020204" pitchFamily="34" charset="0"/>
+              </a:rPr>
+              <a:t>Place Order</a:t>
+            </a:r>
+            <a:endParaRPr lang="zh-CN" altLang="en-US" sz="600" dirty="0">
+              <a:latin typeface="Arial" panose="020B0604020202020204" pitchFamily="34" charset="0"/>
+              <a:cs typeface="Arial" panose="020B0604020202020204" pitchFamily="34" charset="0"/>
+            </a:endParaRPr>
+          </a:p>
+        </p:txBody>
+      </p:sp>
+      <p:cxnSp>
+        <p:nvCxnSpPr>
+          <p:cNvPr id="37" name="连接符: 肘形 36">
+            <a:extLst>
+              <a:ext uri="{FF2B5EF4-FFF2-40B4-BE49-F238E27FC236}">
+                <a16:creationId xmlns:a16="http://schemas.microsoft.com/office/drawing/2014/main" id="{1C95A8BE-AB15-4C09-9DF4-440F19433E9F}"/>
+              </a:ext>
+            </a:extLst>
+          </p:cNvPr>
+          <p:cNvCxnSpPr>
+            <a:cxnSpLocks/>
+            <a:stCxn id="33" idx="6"/>
+          </p:cNvCxnSpPr>
+          <p:nvPr/>
+        </p:nvCxnSpPr>
+        <p:spPr>
+          <a:xfrm flipV="1">
+            <a:off x="3689085" y="2680335"/>
+            <a:ext cx="2194814" cy="521895"/>
+          </a:xfrm>
+          <a:prstGeom prst="bentConnector3">
+            <a:avLst>
+              <a:gd name="adj1" fmla="val 30471"/>
+            </a:avLst>
+          </a:prstGeom>
+          <a:ln>
+            <a:tailEnd type="triangle" w="sm" len="sm"/>
+          </a:ln>
+        </p:spPr>
+        <p:style>
+          <a:lnRef idx="1">
+            <a:schemeClr val="dk1"/>
+          </a:lnRef>
+          <a:fillRef idx="0">
+            <a:schemeClr val="dk1"/>
+          </a:fillRef>
+          <a:effectRef idx="0">
+            <a:schemeClr val="dk1"/>
+          </a:effectRef>
+          <a:fontRef idx="minor">
+            <a:schemeClr val="tx1"/>
+          </a:fontRef>
+        </p:style>
+      </p:cxnSp>
+      <p:sp>
+        <p:nvSpPr>
+          <p:cNvPr id="44" name="文本框 43">
+            <a:extLst>
+              <a:ext uri="{FF2B5EF4-FFF2-40B4-BE49-F238E27FC236}">
+                <a16:creationId xmlns:a16="http://schemas.microsoft.com/office/drawing/2014/main" id="{4BD42BC5-C2F9-426F-AC0D-42B3DCDD39EA}"/>
+              </a:ext>
+            </a:extLst>
+          </p:cNvPr>
+          <p:cNvSpPr txBox="1"/>
+          <p:nvPr/>
+        </p:nvSpPr>
+        <p:spPr>
+          <a:xfrm>
+            <a:off x="4330160" y="2697894"/>
+            <a:ext cx="661458" cy="184666"/>
+          </a:xfrm>
+          <a:prstGeom prst="rect">
+            <a:avLst/>
+          </a:prstGeom>
+          <a:noFill/>
+        </p:spPr>
+        <p:txBody>
+          <a:bodyPr wrap="square" rtlCol="0">
+            <a:spAutoFit/>
+          </a:bodyPr>
+          <a:lstStyle/>
+          <a:p>
+            <a:r>
+              <a:rPr lang="en-US" altLang="zh-CN" sz="600" dirty="0">
+                <a:latin typeface="Arial" panose="020B0604020202020204" pitchFamily="34" charset="0"/>
+                <a:cs typeface="Arial" panose="020B0604020202020204" pitchFamily="34" charset="0"/>
+              </a:rPr>
+              <a:t>Trade against</a:t>
+            </a:r>
+            <a:endParaRPr lang="zh-CN" altLang="en-US" sz="600" dirty="0">
+              <a:latin typeface="Arial" panose="020B0604020202020204" pitchFamily="34" charset="0"/>
+              <a:cs typeface="Arial" panose="020B0604020202020204" pitchFamily="34" charset="0"/>
+            </a:endParaRPr>
           </a:p>
         </p:txBody>
       </p:sp>
